--- a/Conexões de Rede.pptx
+++ b/Conexões de Rede.pptx
@@ -8930,7 +8930,7 @@
           <a:p>
             <a:fld id="{F47A7A1A-A33E-4A27-8ADA-C690FC863B53}" type="datetimeFigureOut">
               <a:rPr lang="pt-PT" smtClean="0"/>
-              <a:t>23-01-2018</a:t>
+              <a:t>25-01-2018</a:t>
             </a:fld>
             <a:endParaRPr lang="pt-PT"/>
           </a:p>
@@ -9137,7 +9137,7 @@
           <a:p>
             <a:fld id="{F47A7A1A-A33E-4A27-8ADA-C690FC863B53}" type="datetimeFigureOut">
               <a:rPr lang="pt-PT" smtClean="0"/>
-              <a:t>23-01-2018</a:t>
+              <a:t>25-01-2018</a:t>
             </a:fld>
             <a:endParaRPr lang="pt-PT"/>
           </a:p>
@@ -9317,7 +9317,7 @@
           <a:p>
             <a:fld id="{F47A7A1A-A33E-4A27-8ADA-C690FC863B53}" type="datetimeFigureOut">
               <a:rPr lang="pt-PT" smtClean="0"/>
-              <a:t>23-01-2018</a:t>
+              <a:t>25-01-2018</a:t>
             </a:fld>
             <a:endParaRPr lang="pt-PT"/>
           </a:p>
@@ -9522,7 +9522,7 @@
           <a:p>
             <a:fld id="{F47A7A1A-A33E-4A27-8ADA-C690FC863B53}" type="datetimeFigureOut">
               <a:rPr lang="pt-PT" smtClean="0"/>
-              <a:t>23-01-2018</a:t>
+              <a:t>25-01-2018</a:t>
             </a:fld>
             <a:endParaRPr lang="pt-PT"/>
           </a:p>
@@ -18420,7 +18420,7 @@
           <a:p>
             <a:fld id="{F47A7A1A-A33E-4A27-8ADA-C690FC863B53}" type="datetimeFigureOut">
               <a:rPr lang="pt-PT" smtClean="0"/>
-              <a:t>23-01-2018</a:t>
+              <a:t>25-01-2018</a:t>
             </a:fld>
             <a:endParaRPr lang="pt-PT"/>
           </a:p>
@@ -18694,7 +18694,7 @@
           <a:p>
             <a:fld id="{F47A7A1A-A33E-4A27-8ADA-C690FC863B53}" type="datetimeFigureOut">
               <a:rPr lang="pt-PT" smtClean="0"/>
-              <a:t>23-01-2018</a:t>
+              <a:t>25-01-2018</a:t>
             </a:fld>
             <a:endParaRPr lang="pt-PT"/>
           </a:p>
@@ -19092,7 +19092,7 @@
           <a:p>
             <a:fld id="{F47A7A1A-A33E-4A27-8ADA-C690FC863B53}" type="datetimeFigureOut">
               <a:rPr lang="pt-PT" smtClean="0"/>
-              <a:t>23-01-2018</a:t>
+              <a:t>25-01-2018</a:t>
             </a:fld>
             <a:endParaRPr lang="pt-PT"/>
           </a:p>
@@ -19210,7 +19210,7 @@
           <a:p>
             <a:fld id="{F47A7A1A-A33E-4A27-8ADA-C690FC863B53}" type="datetimeFigureOut">
               <a:rPr lang="pt-PT" smtClean="0"/>
-              <a:t>23-01-2018</a:t>
+              <a:t>25-01-2018</a:t>
             </a:fld>
             <a:endParaRPr lang="pt-PT"/>
           </a:p>
@@ -19305,7 +19305,7 @@
           <a:p>
             <a:fld id="{F47A7A1A-A33E-4A27-8ADA-C690FC863B53}" type="datetimeFigureOut">
               <a:rPr lang="pt-PT" smtClean="0"/>
-              <a:t>23-01-2018</a:t>
+              <a:t>25-01-2018</a:t>
             </a:fld>
             <a:endParaRPr lang="pt-PT"/>
           </a:p>
@@ -19595,7 +19595,7 @@
           <a:p>
             <a:fld id="{F47A7A1A-A33E-4A27-8ADA-C690FC863B53}" type="datetimeFigureOut">
               <a:rPr lang="pt-PT" smtClean="0"/>
-              <a:t>23-01-2018</a:t>
+              <a:t>25-01-2018</a:t>
             </a:fld>
             <a:endParaRPr lang="pt-PT"/>
           </a:p>
@@ -19875,7 +19875,7 @@
           <a:p>
             <a:fld id="{F47A7A1A-A33E-4A27-8ADA-C690FC863B53}" type="datetimeFigureOut">
               <a:rPr lang="pt-PT" smtClean="0"/>
-              <a:t>23-01-2018</a:t>
+              <a:t>25-01-2018</a:t>
             </a:fld>
             <a:endParaRPr lang="pt-PT"/>
           </a:p>
@@ -20125,7 +20125,7 @@
           <a:p>
             <a:fld id="{F47A7A1A-A33E-4A27-8ADA-C690FC863B53}" type="datetimeFigureOut">
               <a:rPr lang="pt-PT" smtClean="0"/>
-              <a:t>23-01-2018</a:t>
+              <a:t>25-01-2018</a:t>
             </a:fld>
             <a:endParaRPr lang="pt-PT"/>
           </a:p>
@@ -20673,7 +20673,15 @@
           <a:p>
             <a:r>
               <a:rPr lang="pt-PT" dirty="0" smtClean="0"/>
-              <a:t>Curso Técnico/a de Informática Sistemas – EFA NSPRO</a:t>
+              <a:t>Curso Técnico/a de Informática </a:t>
+            </a:r>
+            <a:r>
+              <a:rPr lang="pt-PT" dirty="0" smtClean="0"/>
+              <a:t>Sistemas </a:t>
+            </a:r>
+            <a:r>
+              <a:rPr lang="pt-PT" dirty="0" smtClean="0"/>
+              <a:t>– EFA NSPRO</a:t>
             </a:r>
             <a:endParaRPr lang="pt-PT" dirty="0"/>
           </a:p>
@@ -20695,9 +20703,129 @@
   <p:timing>
     <p:tnLst>
       <p:par>
-        <p:cTn id="1" dur="indefinite" restart="never" nodeType="tmRoot"/>
+        <p:cTn id="1" dur="indefinite" restart="never" nodeType="tmRoot">
+          <p:childTnLst>
+            <p:seq concurrent="1" nextAc="seek">
+              <p:cTn id="2" dur="indefinite" nodeType="mainSeq">
+                <p:childTnLst>
+                  <p:par>
+                    <p:cTn id="3" fill="hold">
+                      <p:stCondLst>
+                        <p:cond delay="indefinite"/>
+                        <p:cond evt="onBegin" delay="0">
+                          <p:tn val="2"/>
+                        </p:cond>
+                      </p:stCondLst>
+                      <p:childTnLst>
+                        <p:par>
+                          <p:cTn id="4" fill="hold">
+                            <p:stCondLst>
+                              <p:cond delay="0"/>
+                            </p:stCondLst>
+                            <p:childTnLst>
+                              <p:par>
+                                <p:cTn id="5" presetID="2" presetClass="entr" presetSubtype="8" fill="hold" grpId="0" nodeType="withEffect">
+                                  <p:stCondLst>
+                                    <p:cond delay="0"/>
+                                  </p:stCondLst>
+                                  <p:childTnLst>
+                                    <p:set>
+                                      <p:cBhvr>
+                                        <p:cTn id="6" dur="1" fill="hold">
+                                          <p:stCondLst>
+                                            <p:cond delay="0"/>
+                                          </p:stCondLst>
+                                        </p:cTn>
+                                        <p:tgtEl>
+                                          <p:spTgt spid="2"/>
+                                        </p:tgtEl>
+                                        <p:attrNameLst>
+                                          <p:attrName>style.visibility</p:attrName>
+                                        </p:attrNameLst>
+                                      </p:cBhvr>
+                                      <p:to>
+                                        <p:strVal val="visible"/>
+                                      </p:to>
+                                    </p:set>
+                                    <p:anim calcmode="lin" valueType="num">
+                                      <p:cBhvr additive="base">
+                                        <p:cTn id="7" dur="2000" fill="hold"/>
+                                        <p:tgtEl>
+                                          <p:spTgt spid="2"/>
+                                        </p:tgtEl>
+                                        <p:attrNameLst>
+                                          <p:attrName>ppt_x</p:attrName>
+                                        </p:attrNameLst>
+                                      </p:cBhvr>
+                                      <p:tavLst>
+                                        <p:tav tm="0">
+                                          <p:val>
+                                            <p:strVal val="0-#ppt_w/2"/>
+                                          </p:val>
+                                        </p:tav>
+                                        <p:tav tm="100000">
+                                          <p:val>
+                                            <p:strVal val="#ppt_x"/>
+                                          </p:val>
+                                        </p:tav>
+                                      </p:tavLst>
+                                    </p:anim>
+                                    <p:anim calcmode="lin" valueType="num">
+                                      <p:cBhvr additive="base">
+                                        <p:cTn id="8" dur="2000" fill="hold"/>
+                                        <p:tgtEl>
+                                          <p:spTgt spid="2"/>
+                                        </p:tgtEl>
+                                        <p:attrNameLst>
+                                          <p:attrName>ppt_y</p:attrName>
+                                        </p:attrNameLst>
+                                      </p:cBhvr>
+                                      <p:tavLst>
+                                        <p:tav tm="0">
+                                          <p:val>
+                                            <p:strVal val="#ppt_y"/>
+                                          </p:val>
+                                        </p:tav>
+                                        <p:tav tm="100000">
+                                          <p:val>
+                                            <p:strVal val="#ppt_y"/>
+                                          </p:val>
+                                        </p:tav>
+                                      </p:tavLst>
+                                    </p:anim>
+                                  </p:childTnLst>
+                                </p:cTn>
+                              </p:par>
+                            </p:childTnLst>
+                          </p:cTn>
+                        </p:par>
+                      </p:childTnLst>
+                    </p:cTn>
+                  </p:par>
+                </p:childTnLst>
+              </p:cTn>
+              <p:prevCondLst>
+                <p:cond evt="onPrev" delay="0">
+                  <p:tgtEl>
+                    <p:sldTgt/>
+                  </p:tgtEl>
+                </p:cond>
+              </p:prevCondLst>
+              <p:nextCondLst>
+                <p:cond evt="onNext" delay="0">
+                  <p:tgtEl>
+                    <p:sldTgt/>
+                  </p:tgtEl>
+                </p:cond>
+              </p:nextCondLst>
+            </p:seq>
+          </p:childTnLst>
+        </p:cTn>
       </p:par>
     </p:tnLst>
+    <p:bldLst>
+      <p:bldP spid="2" grpId="0"/>
+    </p:bldLst>
   </p:timing>
 </p:sld>
 </file>
@@ -20783,7 +20911,7 @@
         </p:blipFill>
         <p:spPr>
           <a:xfrm>
-            <a:off x="11449" y="2603875"/>
+            <a:off x="142078" y="3119480"/>
             <a:ext cx="2011680" cy="1130308"/>
           </a:xfrm>
           <a:prstGeom prst="rect">
@@ -21001,12 +21129,102 @@
   <p:clrMapOvr>
     <a:masterClrMapping/>
   </p:clrMapOvr>
+  <mc:AlternateContent xmlns:mc="http://schemas.openxmlformats.org/markup-compatibility/2006">
+    <mc:Choice xmlns:p14="http://schemas.microsoft.com/office/powerpoint/2010/main" Requires="p14">
+      <p:transition spd="slow" p14:dur="2000" advClick="0"/>
+    </mc:Choice>
+    <mc:Fallback>
+      <p:transition spd="slow" advClick="0"/>
+    </mc:Fallback>
+  </mc:AlternateContent>
   <p:timing>
     <p:tnLst>
       <p:par>
-        <p:cTn id="1" dur="indefinite" restart="never" nodeType="tmRoot"/>
+        <p:cTn id="1" dur="indefinite" restart="never" nodeType="tmRoot">
+          <p:childTnLst>
+            <p:seq concurrent="1" nextAc="seek">
+              <p:cTn id="2" dur="indefinite" nodeType="mainSeq">
+                <p:childTnLst>
+                  <p:par>
+                    <p:cTn id="3" fill="hold">
+                      <p:stCondLst>
+                        <p:cond delay="indefinite"/>
+                        <p:cond evt="onBegin" delay="0">
+                          <p:tn val="2"/>
+                        </p:cond>
+                      </p:stCondLst>
+                      <p:childTnLst>
+                        <p:par>
+                          <p:cTn id="4" fill="hold">
+                            <p:stCondLst>
+                              <p:cond delay="0"/>
+                            </p:stCondLst>
+                            <p:childTnLst>
+                              <p:par>
+                                <p:cTn id="5" presetID="6" presetClass="entr" presetSubtype="16" fill="hold" grpId="0" nodeType="afterEffect">
+                                  <p:stCondLst>
+                                    <p:cond delay="0"/>
+                                  </p:stCondLst>
+                                  <p:childTnLst>
+                                    <p:set>
+                                      <p:cBhvr>
+                                        <p:cTn id="6" dur="1" fill="hold">
+                                          <p:stCondLst>
+                                            <p:cond delay="0"/>
+                                          </p:stCondLst>
+                                        </p:cTn>
+                                        <p:tgtEl>
+                                          <p:spTgt spid="2"/>
+                                        </p:tgtEl>
+                                        <p:attrNameLst>
+                                          <p:attrName>style.visibility</p:attrName>
+                                        </p:attrNameLst>
+                                      </p:cBhvr>
+                                      <p:to>
+                                        <p:strVal val="visible"/>
+                                      </p:to>
+                                    </p:set>
+                                    <p:animEffect transition="in" filter="circle(in)">
+                                      <p:cBhvr>
+                                        <p:cTn id="7" dur="2000"/>
+                                        <p:tgtEl>
+                                          <p:spTgt spid="2"/>
+                                        </p:tgtEl>
+                                      </p:cBhvr>
+                                    </p:animEffect>
+                                  </p:childTnLst>
+                                </p:cTn>
+                              </p:par>
+                            </p:childTnLst>
+                          </p:cTn>
+                        </p:par>
+                      </p:childTnLst>
+                    </p:cTn>
+                  </p:par>
+                </p:childTnLst>
+              </p:cTn>
+              <p:prevCondLst>
+                <p:cond evt="onPrev" delay="0">
+                  <p:tgtEl>
+                    <p:sldTgt/>
+                  </p:tgtEl>
+                </p:cond>
+              </p:prevCondLst>
+              <p:nextCondLst>
+                <p:cond evt="onNext" delay="0">
+                  <p:tgtEl>
+                    <p:sldTgt/>
+                  </p:tgtEl>
+                </p:cond>
+              </p:nextCondLst>
+            </p:seq>
+          </p:childTnLst>
+        </p:cTn>
       </p:par>
     </p:tnLst>
+    <p:bldLst>
+      <p:bldP spid="2" grpId="0"/>
+    </p:bldLst>
   </p:timing>
 </p:sld>
 </file>
@@ -21094,6 +21312,7 @@
           <a:bodyPr/>
           <a:lstStyle/>
           <a:p>
+            <a:pPr algn="just"/>
             <a:r>
               <a:rPr lang="pt-PT" dirty="0"/>
               <a:t>Quando recebe informação numa determinada porta, o HUB transmite esse informação por todas as outras </a:t>
@@ -21104,24 +21323,28 @@
             </a:r>
           </a:p>
           <a:p>
+            <a:pPr algn="just"/>
             <a:r>
               <a:rPr lang="pt-PT" dirty="0" smtClean="0"/>
               <a:t>Com colisões de pacotes</a:t>
             </a:r>
           </a:p>
           <a:p>
+            <a:pPr algn="just"/>
             <a:r>
               <a:rPr lang="pt-PT" dirty="0" smtClean="0"/>
               <a:t>Pouco seguro</a:t>
             </a:r>
           </a:p>
           <a:p>
+            <a:pPr algn="just"/>
             <a:r>
               <a:rPr lang="pt-PT" dirty="0" smtClean="0"/>
               <a:t>Mais barato</a:t>
             </a:r>
           </a:p>
           <a:p>
+            <a:pPr algn="just"/>
             <a:r>
               <a:rPr lang="pt-PT" dirty="0" smtClean="0"/>
               <a:t>Pequena rede</a:t>
@@ -21167,30 +21390,35 @@
           <a:bodyPr/>
           <a:lstStyle/>
           <a:p>
+            <a:pPr algn="just"/>
             <a:r>
               <a:rPr lang="pt-PT" dirty="0" smtClean="0"/>
               <a:t>Envia os pacotes para os computadores específicos</a:t>
             </a:r>
           </a:p>
           <a:p>
+            <a:pPr algn="just"/>
             <a:r>
               <a:rPr lang="pt-PT" dirty="0" smtClean="0"/>
               <a:t>Sem colisões de pacotes</a:t>
             </a:r>
           </a:p>
           <a:p>
+            <a:pPr algn="just"/>
             <a:r>
               <a:rPr lang="pt-PT" dirty="0" smtClean="0"/>
               <a:t>Seguro</a:t>
             </a:r>
           </a:p>
           <a:p>
+            <a:pPr algn="just"/>
             <a:r>
               <a:rPr lang="pt-PT" dirty="0" smtClean="0"/>
               <a:t>Mais caro</a:t>
             </a:r>
           </a:p>
           <a:p>
+            <a:pPr algn="just"/>
             <a:r>
               <a:rPr lang="pt-PT" dirty="0" smtClean="0"/>
               <a:t>Rede alargada</a:t>
@@ -21239,12 +21467,236 @@
   <p:clrMapOvr>
     <a:masterClrMapping/>
   </p:clrMapOvr>
+  <mc:AlternateContent xmlns:mc="http://schemas.openxmlformats.org/markup-compatibility/2006">
+    <mc:Choice xmlns:p14="http://schemas.microsoft.com/office/powerpoint/2010/main" Requires="p14">
+      <p:transition spd="slow" p14:dur="2000" advClick="0"/>
+    </mc:Choice>
+    <mc:Fallback>
+      <p:transition spd="slow" advClick="0"/>
+    </mc:Fallback>
+  </mc:AlternateContent>
   <p:timing>
     <p:tnLst>
       <p:par>
-        <p:cTn id="1" dur="indefinite" restart="never" nodeType="tmRoot"/>
+        <p:cTn id="1" dur="indefinite" restart="never" nodeType="tmRoot">
+          <p:childTnLst>
+            <p:seq concurrent="1" nextAc="seek">
+              <p:cTn id="2" dur="indefinite" nodeType="mainSeq">
+                <p:childTnLst>
+                  <p:par>
+                    <p:cTn id="3" fill="hold">
+                      <p:stCondLst>
+                        <p:cond delay="indefinite"/>
+                        <p:cond evt="onBegin" delay="0">
+                          <p:tn val="2"/>
+                        </p:cond>
+                      </p:stCondLst>
+                      <p:childTnLst>
+                        <p:par>
+                          <p:cTn id="4" fill="hold">
+                            <p:stCondLst>
+                              <p:cond delay="0"/>
+                            </p:stCondLst>
+                            <p:childTnLst>
+                              <p:par>
+                                <p:cTn id="5" presetID="32" presetClass="emph" presetSubtype="0" fill="hold" grpId="0" nodeType="withEffect">
+                                  <p:stCondLst>
+                                    <p:cond delay="0"/>
+                                  </p:stCondLst>
+                                  <p:childTnLst>
+                                    <p:animRot by="120000">
+                                      <p:cBhvr>
+                                        <p:cTn id="6" dur="100" fill="hold">
+                                          <p:stCondLst>
+                                            <p:cond delay="0"/>
+                                          </p:stCondLst>
+                                        </p:cTn>
+                                        <p:tgtEl>
+                                          <p:spTgt spid="4"/>
+                                        </p:tgtEl>
+                                        <p:attrNameLst>
+                                          <p:attrName>r</p:attrName>
+                                        </p:attrNameLst>
+                                      </p:cBhvr>
+                                    </p:animRot>
+                                    <p:animRot by="-240000">
+                                      <p:cBhvr>
+                                        <p:cTn id="7" dur="200" fill="hold">
+                                          <p:stCondLst>
+                                            <p:cond delay="200"/>
+                                          </p:stCondLst>
+                                        </p:cTn>
+                                        <p:tgtEl>
+                                          <p:spTgt spid="4"/>
+                                        </p:tgtEl>
+                                        <p:attrNameLst>
+                                          <p:attrName>r</p:attrName>
+                                        </p:attrNameLst>
+                                      </p:cBhvr>
+                                    </p:animRot>
+                                    <p:animRot by="240000">
+                                      <p:cBhvr>
+                                        <p:cTn id="8" dur="200" fill="hold">
+                                          <p:stCondLst>
+                                            <p:cond delay="400"/>
+                                          </p:stCondLst>
+                                        </p:cTn>
+                                        <p:tgtEl>
+                                          <p:spTgt spid="4"/>
+                                        </p:tgtEl>
+                                        <p:attrNameLst>
+                                          <p:attrName>r</p:attrName>
+                                        </p:attrNameLst>
+                                      </p:cBhvr>
+                                    </p:animRot>
+                                    <p:animRot by="-240000">
+                                      <p:cBhvr>
+                                        <p:cTn id="9" dur="200" fill="hold">
+                                          <p:stCondLst>
+                                            <p:cond delay="600"/>
+                                          </p:stCondLst>
+                                        </p:cTn>
+                                        <p:tgtEl>
+                                          <p:spTgt spid="4"/>
+                                        </p:tgtEl>
+                                        <p:attrNameLst>
+                                          <p:attrName>r</p:attrName>
+                                        </p:attrNameLst>
+                                      </p:cBhvr>
+                                    </p:animRot>
+                                    <p:animRot by="120000">
+                                      <p:cBhvr>
+                                        <p:cTn id="10" dur="200" fill="hold">
+                                          <p:stCondLst>
+                                            <p:cond delay="800"/>
+                                          </p:stCondLst>
+                                        </p:cTn>
+                                        <p:tgtEl>
+                                          <p:spTgt spid="4"/>
+                                        </p:tgtEl>
+                                        <p:attrNameLst>
+                                          <p:attrName>r</p:attrName>
+                                        </p:attrNameLst>
+                                      </p:cBhvr>
+                                    </p:animRot>
+                                  </p:childTnLst>
+                                </p:cTn>
+                              </p:par>
+                              <p:par>
+                                <p:cTn id="11" presetID="32" presetClass="emph" presetSubtype="0" fill="hold" grpId="0" nodeType="withEffect">
+                                  <p:stCondLst>
+                                    <p:cond delay="0"/>
+                                  </p:stCondLst>
+                                  <p:childTnLst>
+                                    <p:animRot by="120000">
+                                      <p:cBhvr>
+                                        <p:cTn id="12" dur="100" fill="hold">
+                                          <p:stCondLst>
+                                            <p:cond delay="0"/>
+                                          </p:stCondLst>
+                                        </p:cTn>
+                                        <p:tgtEl>
+                                          <p:spTgt spid="6"/>
+                                        </p:tgtEl>
+                                        <p:attrNameLst>
+                                          <p:attrName>r</p:attrName>
+                                        </p:attrNameLst>
+                                      </p:cBhvr>
+                                    </p:animRot>
+                                    <p:animRot by="-240000">
+                                      <p:cBhvr>
+                                        <p:cTn id="13" dur="200" fill="hold">
+                                          <p:stCondLst>
+                                            <p:cond delay="200"/>
+                                          </p:stCondLst>
+                                        </p:cTn>
+                                        <p:tgtEl>
+                                          <p:spTgt spid="6"/>
+                                        </p:tgtEl>
+                                        <p:attrNameLst>
+                                          <p:attrName>r</p:attrName>
+                                        </p:attrNameLst>
+                                      </p:cBhvr>
+                                    </p:animRot>
+                                    <p:animRot by="240000">
+                                      <p:cBhvr>
+                                        <p:cTn id="14" dur="200" fill="hold">
+                                          <p:stCondLst>
+                                            <p:cond delay="400"/>
+                                          </p:stCondLst>
+                                        </p:cTn>
+                                        <p:tgtEl>
+                                          <p:spTgt spid="6"/>
+                                        </p:tgtEl>
+                                        <p:attrNameLst>
+                                          <p:attrName>r</p:attrName>
+                                        </p:attrNameLst>
+                                      </p:cBhvr>
+                                    </p:animRot>
+                                    <p:animRot by="-240000">
+                                      <p:cBhvr>
+                                        <p:cTn id="15" dur="200" fill="hold">
+                                          <p:stCondLst>
+                                            <p:cond delay="600"/>
+                                          </p:stCondLst>
+                                        </p:cTn>
+                                        <p:tgtEl>
+                                          <p:spTgt spid="6"/>
+                                        </p:tgtEl>
+                                        <p:attrNameLst>
+                                          <p:attrName>r</p:attrName>
+                                        </p:attrNameLst>
+                                      </p:cBhvr>
+                                    </p:animRot>
+                                    <p:animRot by="120000">
+                                      <p:cBhvr>
+                                        <p:cTn id="16" dur="200" fill="hold">
+                                          <p:stCondLst>
+                                            <p:cond delay="800"/>
+                                          </p:stCondLst>
+                                        </p:cTn>
+                                        <p:tgtEl>
+                                          <p:spTgt spid="6"/>
+                                        </p:tgtEl>
+                                        <p:attrNameLst>
+                                          <p:attrName>r</p:attrName>
+                                        </p:attrNameLst>
+                                      </p:cBhvr>
+                                    </p:animRot>
+                                  </p:childTnLst>
+                                </p:cTn>
+                              </p:par>
+                            </p:childTnLst>
+                          </p:cTn>
+                        </p:par>
+                      </p:childTnLst>
+                    </p:cTn>
+                  </p:par>
+                </p:childTnLst>
+              </p:cTn>
+              <p:prevCondLst>
+                <p:cond evt="onPrev" delay="0">
+                  <p:tgtEl>
+                    <p:sldTgt/>
+                  </p:tgtEl>
+                </p:cond>
+              </p:prevCondLst>
+              <p:nextCondLst>
+                <p:cond evt="onNext" delay="0">
+                  <p:tgtEl>
+                    <p:sldTgt/>
+                  </p:tgtEl>
+                </p:cond>
+              </p:nextCondLst>
+            </p:seq>
+          </p:childTnLst>
+        </p:cTn>
       </p:par>
     </p:tnLst>
+    <p:bldLst>
+      <p:bldP spid="4" grpId="0"/>
+      <p:bldP spid="6" grpId="0"/>
+    </p:bldLst>
   </p:timing>
 </p:sld>
 </file>
@@ -21327,10 +21779,6 @@
             <a:endParaRPr lang="pt-PT" dirty="0" smtClean="0"/>
           </a:p>
           <a:p>
-            <a:r>
-              <a:rPr lang="pt-PT" dirty="0" smtClean="0"/>
-              <a:t>Sem fios</a:t>
-            </a:r>
             <a:endParaRPr lang="pt-PT" dirty="0"/>
           </a:p>
         </p:txBody>
@@ -21376,12 +21824,390 @@
   <p:clrMapOvr>
     <a:masterClrMapping/>
   </p:clrMapOvr>
+  <mc:AlternateContent xmlns:mc="http://schemas.openxmlformats.org/markup-compatibility/2006">
+    <mc:Choice xmlns:p14="http://schemas.microsoft.com/office/powerpoint/2010/main" Requires="p14">
+      <p:transition spd="slow" p14:dur="2000" advClick="0"/>
+    </mc:Choice>
+    <mc:Fallback>
+      <p:transition spd="slow" advClick="0"/>
+    </mc:Fallback>
+  </mc:AlternateContent>
   <p:timing>
     <p:tnLst>
       <p:par>
-        <p:cTn id="1" dur="indefinite" restart="never" nodeType="tmRoot"/>
+        <p:cTn id="1" dur="indefinite" restart="never" nodeType="tmRoot">
+          <p:childTnLst>
+            <p:seq concurrent="1" nextAc="seek">
+              <p:cTn id="2" dur="indefinite" nodeType="mainSeq">
+                <p:childTnLst>
+                  <p:par>
+                    <p:cTn id="3" fill="hold">
+                      <p:stCondLst>
+                        <p:cond delay="indefinite"/>
+                        <p:cond evt="onBegin" delay="0">
+                          <p:tn val="2"/>
+                        </p:cond>
+                      </p:stCondLst>
+                      <p:childTnLst>
+                        <p:par>
+                          <p:cTn id="4" fill="hold">
+                            <p:stCondLst>
+                              <p:cond delay="0"/>
+                            </p:stCondLst>
+                            <p:childTnLst>
+                              <p:par>
+                                <p:cTn id="5" presetID="16" presetClass="entr" presetSubtype="21" fill="hold" grpId="0" nodeType="withEffect">
+                                  <p:stCondLst>
+                                    <p:cond delay="0"/>
+                                  </p:stCondLst>
+                                  <p:childTnLst>
+                                    <p:set>
+                                      <p:cBhvr>
+                                        <p:cTn id="6" dur="1" fill="hold">
+                                          <p:stCondLst>
+                                            <p:cond delay="0"/>
+                                          </p:stCondLst>
+                                        </p:cTn>
+                                        <p:tgtEl>
+                                          <p:spTgt spid="2"/>
+                                        </p:tgtEl>
+                                        <p:attrNameLst>
+                                          <p:attrName>style.visibility</p:attrName>
+                                        </p:attrNameLst>
+                                      </p:cBhvr>
+                                      <p:to>
+                                        <p:strVal val="visible"/>
+                                      </p:to>
+                                    </p:set>
+                                    <p:animEffect transition="in" filter="barn(inVertical)">
+                                      <p:cBhvr>
+                                        <p:cTn id="7" dur="500"/>
+                                        <p:tgtEl>
+                                          <p:spTgt spid="2"/>
+                                        </p:tgtEl>
+                                      </p:cBhvr>
+                                    </p:animEffect>
+                                  </p:childTnLst>
+                                </p:cTn>
+                              </p:par>
+                            </p:childTnLst>
+                          </p:cTn>
+                        </p:par>
+                        <p:par>
+                          <p:cTn id="8" fill="hold">
+                            <p:stCondLst>
+                              <p:cond delay="500"/>
+                            </p:stCondLst>
+                            <p:childTnLst>
+                              <p:par>
+                                <p:cTn id="9" presetID="26" presetClass="entr" presetSubtype="0" fill="hold" grpId="0" nodeType="afterEffect">
+                                  <p:stCondLst>
+                                    <p:cond delay="0"/>
+                                  </p:stCondLst>
+                                  <p:childTnLst>
+                                    <p:set>
+                                      <p:cBhvr>
+                                        <p:cTn id="10" dur="1" fill="hold">
+                                          <p:stCondLst>
+                                            <p:cond delay="0"/>
+                                          </p:stCondLst>
+                                        </p:cTn>
+                                        <p:tgtEl>
+                                          <p:spTgt spid="3"/>
+                                        </p:tgtEl>
+                                        <p:attrNameLst>
+                                          <p:attrName>style.visibility</p:attrName>
+                                        </p:attrNameLst>
+                                      </p:cBhvr>
+                                      <p:to>
+                                        <p:strVal val="visible"/>
+                                      </p:to>
+                                    </p:set>
+                                    <p:animEffect transition="in" filter="wipe(down)">
+                                      <p:cBhvr>
+                                        <p:cTn id="11" dur="580">
+                                          <p:stCondLst>
+                                            <p:cond delay="0"/>
+                                          </p:stCondLst>
+                                        </p:cTn>
+                                        <p:tgtEl>
+                                          <p:spTgt spid="3"/>
+                                        </p:tgtEl>
+                                      </p:cBhvr>
+                                    </p:animEffect>
+                                    <p:anim calcmode="lin" valueType="num">
+                                      <p:cBhvr>
+                                        <p:cTn id="12" dur="1822" tmFilter="0,0; 0.14,0.36; 0.43,0.73; 0.71,0.91; 1.0,1.0">
+                                          <p:stCondLst>
+                                            <p:cond delay="0"/>
+                                          </p:stCondLst>
+                                        </p:cTn>
+                                        <p:tgtEl>
+                                          <p:spTgt spid="3"/>
+                                        </p:tgtEl>
+                                        <p:attrNameLst>
+                                          <p:attrName>ppt_x</p:attrName>
+                                        </p:attrNameLst>
+                                      </p:cBhvr>
+                                      <p:tavLst>
+                                        <p:tav tm="0">
+                                          <p:val>
+                                            <p:strVal val="#ppt_x-0.25"/>
+                                          </p:val>
+                                        </p:tav>
+                                        <p:tav tm="100000">
+                                          <p:val>
+                                            <p:strVal val="#ppt_x"/>
+                                          </p:val>
+                                        </p:tav>
+                                      </p:tavLst>
+                                    </p:anim>
+                                    <p:anim calcmode="lin" valueType="num">
+                                      <p:cBhvr>
+                                        <p:cTn id="13" dur="664" tmFilter="0.0,0.0; 0.25,0.07; 0.50,0.2; 0.75,0.467; 1.0,1.0">
+                                          <p:stCondLst>
+                                            <p:cond delay="0"/>
+                                          </p:stCondLst>
+                                        </p:cTn>
+                                        <p:tgtEl>
+                                          <p:spTgt spid="3"/>
+                                        </p:tgtEl>
+                                        <p:attrNameLst>
+                                          <p:attrName>ppt_y</p:attrName>
+                                        </p:attrNameLst>
+                                      </p:cBhvr>
+                                      <p:tavLst>
+                                        <p:tav tm="0" fmla="#ppt_y-sin(pi*$)/3">
+                                          <p:val>
+                                            <p:fltVal val="0.5"/>
+                                          </p:val>
+                                        </p:tav>
+                                        <p:tav tm="100000">
+                                          <p:val>
+                                            <p:fltVal val="1"/>
+                                          </p:val>
+                                        </p:tav>
+                                      </p:tavLst>
+                                    </p:anim>
+                                    <p:anim calcmode="lin" valueType="num">
+                                      <p:cBhvr>
+                                        <p:cTn id="14" dur="664" tmFilter="0, 0; 0.125,0.2665; 0.25,0.4; 0.375,0.465; 0.5,0.5;  0.625,0.535; 0.75,0.6; 0.875,0.7335; 1,1">
+                                          <p:stCondLst>
+                                            <p:cond delay="664"/>
+                                          </p:stCondLst>
+                                        </p:cTn>
+                                        <p:tgtEl>
+                                          <p:spTgt spid="3"/>
+                                        </p:tgtEl>
+                                        <p:attrNameLst>
+                                          <p:attrName>ppt_y</p:attrName>
+                                        </p:attrNameLst>
+                                      </p:cBhvr>
+                                      <p:tavLst>
+                                        <p:tav tm="0" fmla="#ppt_y-sin(pi*$)/9">
+                                          <p:val>
+                                            <p:fltVal val="0"/>
+                                          </p:val>
+                                        </p:tav>
+                                        <p:tav tm="100000">
+                                          <p:val>
+                                            <p:fltVal val="1"/>
+                                          </p:val>
+                                        </p:tav>
+                                      </p:tavLst>
+                                    </p:anim>
+                                    <p:anim calcmode="lin" valueType="num">
+                                      <p:cBhvr>
+                                        <p:cTn id="15" dur="332" tmFilter="0, 0; 0.125,0.2665; 0.25,0.4; 0.375,0.465; 0.5,0.5;  0.625,0.535; 0.75,0.6; 0.875,0.7335; 1,1">
+                                          <p:stCondLst>
+                                            <p:cond delay="1324"/>
+                                          </p:stCondLst>
+                                        </p:cTn>
+                                        <p:tgtEl>
+                                          <p:spTgt spid="3"/>
+                                        </p:tgtEl>
+                                        <p:attrNameLst>
+                                          <p:attrName>ppt_y</p:attrName>
+                                        </p:attrNameLst>
+                                      </p:cBhvr>
+                                      <p:tavLst>
+                                        <p:tav tm="0" fmla="#ppt_y-sin(pi*$)/27">
+                                          <p:val>
+                                            <p:fltVal val="0"/>
+                                          </p:val>
+                                        </p:tav>
+                                        <p:tav tm="100000">
+                                          <p:val>
+                                            <p:fltVal val="1"/>
+                                          </p:val>
+                                        </p:tav>
+                                      </p:tavLst>
+                                    </p:anim>
+                                    <p:anim calcmode="lin" valueType="num">
+                                      <p:cBhvr>
+                                        <p:cTn id="16" dur="164" tmFilter="0, 0; 0.125,0.2665; 0.25,0.4; 0.375,0.465; 0.5,0.5;  0.625,0.535; 0.75,0.6; 0.875,0.7335; 1,1">
+                                          <p:stCondLst>
+                                            <p:cond delay="1656"/>
+                                          </p:stCondLst>
+                                        </p:cTn>
+                                        <p:tgtEl>
+                                          <p:spTgt spid="3"/>
+                                        </p:tgtEl>
+                                        <p:attrNameLst>
+                                          <p:attrName>ppt_y</p:attrName>
+                                        </p:attrNameLst>
+                                      </p:cBhvr>
+                                      <p:tavLst>
+                                        <p:tav tm="0" fmla="#ppt_y-sin(pi*$)/81">
+                                          <p:val>
+                                            <p:fltVal val="0"/>
+                                          </p:val>
+                                        </p:tav>
+                                        <p:tav tm="100000">
+                                          <p:val>
+                                            <p:fltVal val="1"/>
+                                          </p:val>
+                                        </p:tav>
+                                      </p:tavLst>
+                                    </p:anim>
+                                    <p:animScale>
+                                      <p:cBhvr>
+                                        <p:cTn id="17" dur="26">
+                                          <p:stCondLst>
+                                            <p:cond delay="650"/>
+                                          </p:stCondLst>
+                                        </p:cTn>
+                                        <p:tgtEl>
+                                          <p:spTgt spid="3"/>
+                                        </p:tgtEl>
+                                      </p:cBhvr>
+                                      <p:to x="100000" y="60000"/>
+                                    </p:animScale>
+                                    <p:animScale>
+                                      <p:cBhvr>
+                                        <p:cTn id="18" dur="166" decel="50000">
+                                          <p:stCondLst>
+                                            <p:cond delay="676"/>
+                                          </p:stCondLst>
+                                        </p:cTn>
+                                        <p:tgtEl>
+                                          <p:spTgt spid="3"/>
+                                        </p:tgtEl>
+                                      </p:cBhvr>
+                                      <p:to x="100000" y="100000"/>
+                                    </p:animScale>
+                                    <p:animScale>
+                                      <p:cBhvr>
+                                        <p:cTn id="19" dur="26">
+                                          <p:stCondLst>
+                                            <p:cond delay="1312"/>
+                                          </p:stCondLst>
+                                        </p:cTn>
+                                        <p:tgtEl>
+                                          <p:spTgt spid="3"/>
+                                        </p:tgtEl>
+                                      </p:cBhvr>
+                                      <p:to x="100000" y="80000"/>
+                                    </p:animScale>
+                                    <p:animScale>
+                                      <p:cBhvr>
+                                        <p:cTn id="20" dur="166" decel="50000">
+                                          <p:stCondLst>
+                                            <p:cond delay="1338"/>
+                                          </p:stCondLst>
+                                        </p:cTn>
+                                        <p:tgtEl>
+                                          <p:spTgt spid="3"/>
+                                        </p:tgtEl>
+                                      </p:cBhvr>
+                                      <p:to x="100000" y="100000"/>
+                                    </p:animScale>
+                                    <p:animScale>
+                                      <p:cBhvr>
+                                        <p:cTn id="21" dur="26">
+                                          <p:stCondLst>
+                                            <p:cond delay="1642"/>
+                                          </p:stCondLst>
+                                        </p:cTn>
+                                        <p:tgtEl>
+                                          <p:spTgt spid="3"/>
+                                        </p:tgtEl>
+                                      </p:cBhvr>
+                                      <p:to x="100000" y="90000"/>
+                                    </p:animScale>
+                                    <p:animScale>
+                                      <p:cBhvr>
+                                        <p:cTn id="22" dur="166" decel="50000">
+                                          <p:stCondLst>
+                                            <p:cond delay="1668"/>
+                                          </p:stCondLst>
+                                        </p:cTn>
+                                        <p:tgtEl>
+                                          <p:spTgt spid="3"/>
+                                        </p:tgtEl>
+                                      </p:cBhvr>
+                                      <p:to x="100000" y="100000"/>
+                                    </p:animScale>
+                                    <p:animScale>
+                                      <p:cBhvr>
+                                        <p:cTn id="23" dur="26">
+                                          <p:stCondLst>
+                                            <p:cond delay="1808"/>
+                                          </p:stCondLst>
+                                        </p:cTn>
+                                        <p:tgtEl>
+                                          <p:spTgt spid="3"/>
+                                        </p:tgtEl>
+                                      </p:cBhvr>
+                                      <p:to x="100000" y="95000"/>
+                                    </p:animScale>
+                                    <p:animScale>
+                                      <p:cBhvr>
+                                        <p:cTn id="24" dur="166" decel="50000">
+                                          <p:stCondLst>
+                                            <p:cond delay="1834"/>
+                                          </p:stCondLst>
+                                        </p:cTn>
+                                        <p:tgtEl>
+                                          <p:spTgt spid="3"/>
+                                        </p:tgtEl>
+                                      </p:cBhvr>
+                                      <p:to x="100000" y="100000"/>
+                                    </p:animScale>
+                                  </p:childTnLst>
+                                </p:cTn>
+                              </p:par>
+                            </p:childTnLst>
+                          </p:cTn>
+                        </p:par>
+                      </p:childTnLst>
+                    </p:cTn>
+                  </p:par>
+                </p:childTnLst>
+              </p:cTn>
+              <p:prevCondLst>
+                <p:cond evt="onPrev" delay="0">
+                  <p:tgtEl>
+                    <p:sldTgt/>
+                  </p:tgtEl>
+                </p:cond>
+              </p:prevCondLst>
+              <p:nextCondLst>
+                <p:cond evt="onNext" delay="0">
+                  <p:tgtEl>
+                    <p:sldTgt/>
+                  </p:tgtEl>
+                </p:cond>
+              </p:nextCondLst>
+            </p:seq>
+          </p:childTnLst>
+        </p:cTn>
       </p:par>
     </p:tnLst>
+    <p:bldLst>
+      <p:bldP spid="2" grpId="0"/>
+      <p:bldP spid="3" grpId="0"/>
+    </p:bldLst>
   </p:timing>
 </p:sld>
 </file>
@@ -21467,9 +22293,18 @@
           <a:bodyPr/>
           <a:lstStyle/>
           <a:p>
+            <a:pPr algn="just"/>
             <a:r>
               <a:rPr lang="pt-PT" dirty="0" smtClean="0"/>
-              <a:t>Cabo Coaxial é um tipo de cabo condutor utilizado para transmitir sinais. Ele é constituído por um fio de cobre revestido por algum material isolante, ou seja, é formado por várias camadas de condutores e isolantes. Além do mais, este cabo também tem uma blindagem adicional, o que permite que o Cabo Coaxial seja protegido contra fenómenos de indução, causados por interferências elétricas ou magnéticas. Por isso é um cabo muito utilizado para distintos propósitos, incluindo as telecomunicações, como a Televisão e Internet.</a:t>
+              <a:t>Cabo Coaxial é um tipo de cabo condutor utilizado para transmitir sinais. </a:t>
+            </a:r>
+            <a:r>
+              <a:rPr lang="pt-PT" dirty="0" smtClean="0"/>
+              <a:t>É </a:t>
+            </a:r>
+            <a:r>
+              <a:rPr lang="pt-PT" dirty="0" smtClean="0"/>
+              <a:t>constituído por um fio de cobre revestido por algum material isolante, ou seja, é formado por várias camadas de condutores e isolantes. Além do mais, este cabo também tem uma blindagem adicional, o que permite que o Cabo Coaxial seja protegido contra fenómenos de indução, causados por interferências elétricas ou magnéticas. Por isso é um cabo muito utilizado para distintos propósitos, incluindo as telecomunicações, como a Televisão e Internet.</a:t>
             </a:r>
             <a:endParaRPr lang="pt-PT" dirty="0"/>
           </a:p>
@@ -21516,12 +22351,291 @@
   <p:clrMapOvr>
     <a:masterClrMapping/>
   </p:clrMapOvr>
+  <mc:AlternateContent xmlns:mc="http://schemas.openxmlformats.org/markup-compatibility/2006">
+    <mc:Choice xmlns:p14="http://schemas.microsoft.com/office/powerpoint/2010/main" Requires="p14">
+      <p:transition spd="slow" p14:dur="2000" advClick="0"/>
+    </mc:Choice>
+    <mc:Fallback>
+      <p:transition spd="slow" advClick="0"/>
+    </mc:Fallback>
+  </mc:AlternateContent>
   <p:timing>
     <p:tnLst>
       <p:par>
-        <p:cTn id="1" dur="indefinite" restart="never" nodeType="tmRoot"/>
+        <p:cTn id="1" dur="indefinite" restart="never" nodeType="tmRoot">
+          <p:childTnLst>
+            <p:seq concurrent="1" nextAc="seek">
+              <p:cTn id="2" dur="indefinite" nodeType="mainSeq">
+                <p:childTnLst>
+                  <p:par>
+                    <p:cTn id="3" fill="hold">
+                      <p:stCondLst>
+                        <p:cond delay="indefinite"/>
+                        <p:cond evt="onBegin" delay="0">
+                          <p:tn val="2"/>
+                        </p:cond>
+                      </p:stCondLst>
+                      <p:childTnLst>
+                        <p:par>
+                          <p:cTn id="4" fill="hold">
+                            <p:stCondLst>
+                              <p:cond delay="0"/>
+                            </p:stCondLst>
+                            <p:childTnLst>
+                              <p:par>
+                                <p:cTn id="5" presetID="42" presetClass="entr" presetSubtype="0" fill="hold" grpId="0" nodeType="withEffect">
+                                  <p:stCondLst>
+                                    <p:cond delay="0"/>
+                                  </p:stCondLst>
+                                  <p:childTnLst>
+                                    <p:set>
+                                      <p:cBhvr>
+                                        <p:cTn id="6" dur="1" fill="hold">
+                                          <p:stCondLst>
+                                            <p:cond delay="0"/>
+                                          </p:stCondLst>
+                                        </p:cTn>
+                                        <p:tgtEl>
+                                          <p:spTgt spid="2"/>
+                                        </p:tgtEl>
+                                        <p:attrNameLst>
+                                          <p:attrName>style.visibility</p:attrName>
+                                        </p:attrNameLst>
+                                      </p:cBhvr>
+                                      <p:to>
+                                        <p:strVal val="visible"/>
+                                      </p:to>
+                                    </p:set>
+                                    <p:animEffect transition="in" filter="fade">
+                                      <p:cBhvr>
+                                        <p:cTn id="7" dur="1000"/>
+                                        <p:tgtEl>
+                                          <p:spTgt spid="2"/>
+                                        </p:tgtEl>
+                                      </p:cBhvr>
+                                    </p:animEffect>
+                                    <p:anim calcmode="lin" valueType="num">
+                                      <p:cBhvr>
+                                        <p:cTn id="8" dur="1000" fill="hold"/>
+                                        <p:tgtEl>
+                                          <p:spTgt spid="2"/>
+                                        </p:tgtEl>
+                                        <p:attrNameLst>
+                                          <p:attrName>ppt_x</p:attrName>
+                                        </p:attrNameLst>
+                                      </p:cBhvr>
+                                      <p:tavLst>
+                                        <p:tav tm="0">
+                                          <p:val>
+                                            <p:strVal val="#ppt_x"/>
+                                          </p:val>
+                                        </p:tav>
+                                        <p:tav tm="100000">
+                                          <p:val>
+                                            <p:strVal val="#ppt_x"/>
+                                          </p:val>
+                                        </p:tav>
+                                      </p:tavLst>
+                                    </p:anim>
+                                    <p:anim calcmode="lin" valueType="num">
+                                      <p:cBhvr>
+                                        <p:cTn id="9" dur="1000" fill="hold"/>
+                                        <p:tgtEl>
+                                          <p:spTgt spid="2"/>
+                                        </p:tgtEl>
+                                        <p:attrNameLst>
+                                          <p:attrName>ppt_y</p:attrName>
+                                        </p:attrNameLst>
+                                      </p:cBhvr>
+                                      <p:tavLst>
+                                        <p:tav tm="0">
+                                          <p:val>
+                                            <p:strVal val="#ppt_y+.1"/>
+                                          </p:val>
+                                        </p:tav>
+                                        <p:tav tm="100000">
+                                          <p:val>
+                                            <p:strVal val="#ppt_y"/>
+                                          </p:val>
+                                        </p:tav>
+                                      </p:tavLst>
+                                    </p:anim>
+                                  </p:childTnLst>
+                                </p:cTn>
+                              </p:par>
+                            </p:childTnLst>
+                          </p:cTn>
+                        </p:par>
+                        <p:par>
+                          <p:cTn id="10" fill="hold">
+                            <p:stCondLst>
+                              <p:cond delay="1000"/>
+                            </p:stCondLst>
+                            <p:childTnLst>
+                              <p:par>
+                                <p:cTn id="11" presetID="21" presetClass="entr" presetSubtype="4" fill="hold" grpId="0" nodeType="afterEffect">
+                                  <p:stCondLst>
+                                    <p:cond delay="0"/>
+                                  </p:stCondLst>
+                                  <p:childTnLst>
+                                    <p:set>
+                                      <p:cBhvr>
+                                        <p:cTn id="12" dur="1" fill="hold">
+                                          <p:stCondLst>
+                                            <p:cond delay="0"/>
+                                          </p:stCondLst>
+                                        </p:cTn>
+                                        <p:tgtEl>
+                                          <p:spTgt spid="4">
+                                            <p:txEl>
+                                              <p:pRg st="0" end="0"/>
+                                            </p:txEl>
+                                          </p:spTgt>
+                                        </p:tgtEl>
+                                        <p:attrNameLst>
+                                          <p:attrName>style.visibility</p:attrName>
+                                        </p:attrNameLst>
+                                      </p:cBhvr>
+                                      <p:to>
+                                        <p:strVal val="visible"/>
+                                      </p:to>
+                                    </p:set>
+                                    <p:animEffect transition="in" filter="wheel(4)">
+                                      <p:cBhvr>
+                                        <p:cTn id="13" dur="2000"/>
+                                        <p:tgtEl>
+                                          <p:spTgt spid="4">
+                                            <p:txEl>
+                                              <p:pRg st="0" end="0"/>
+                                            </p:txEl>
+                                          </p:spTgt>
+                                        </p:tgtEl>
+                                      </p:cBhvr>
+                                    </p:animEffect>
+                                  </p:childTnLst>
+                                </p:cTn>
+                              </p:par>
+                            </p:childTnLst>
+                          </p:cTn>
+                        </p:par>
+                        <p:par>
+                          <p:cTn id="14" fill="hold">
+                            <p:stCondLst>
+                              <p:cond delay="3000"/>
+                            </p:stCondLst>
+                            <p:childTnLst>
+                              <p:par>
+                                <p:cTn id="15" presetID="45" presetClass="entr" presetSubtype="0" fill="hold" nodeType="afterEffect">
+                                  <p:stCondLst>
+                                    <p:cond delay="0"/>
+                                  </p:stCondLst>
+                                  <p:childTnLst>
+                                    <p:set>
+                                      <p:cBhvr>
+                                        <p:cTn id="16" dur="1" fill="hold">
+                                          <p:stCondLst>
+                                            <p:cond delay="0"/>
+                                          </p:stCondLst>
+                                        </p:cTn>
+                                        <p:tgtEl>
+                                          <p:spTgt spid="5"/>
+                                        </p:tgtEl>
+                                        <p:attrNameLst>
+                                          <p:attrName>style.visibility</p:attrName>
+                                        </p:attrNameLst>
+                                      </p:cBhvr>
+                                      <p:to>
+                                        <p:strVal val="visible"/>
+                                      </p:to>
+                                    </p:set>
+                                    <p:animEffect transition="in" filter="fade">
+                                      <p:cBhvr>
+                                        <p:cTn id="17" dur="2000"/>
+                                        <p:tgtEl>
+                                          <p:spTgt spid="5"/>
+                                        </p:tgtEl>
+                                      </p:cBhvr>
+                                    </p:animEffect>
+                                    <p:anim calcmode="lin" valueType="num">
+                                      <p:cBhvr>
+                                        <p:cTn id="18" dur="2000" fill="hold"/>
+                                        <p:tgtEl>
+                                          <p:spTgt spid="5"/>
+                                        </p:tgtEl>
+                                        <p:attrNameLst>
+                                          <p:attrName>ppt_w</p:attrName>
+                                        </p:attrNameLst>
+                                      </p:cBhvr>
+                                      <p:tavLst>
+                                        <p:tav tm="0" fmla="#ppt_w*sin(2.5*pi*$)">
+                                          <p:val>
+                                            <p:fltVal val="0"/>
+                                          </p:val>
+                                        </p:tav>
+                                        <p:tav tm="100000">
+                                          <p:val>
+                                            <p:fltVal val="1"/>
+                                          </p:val>
+                                        </p:tav>
+                                      </p:tavLst>
+                                    </p:anim>
+                                    <p:anim calcmode="lin" valueType="num">
+                                      <p:cBhvr>
+                                        <p:cTn id="19" dur="2000" fill="hold"/>
+                                        <p:tgtEl>
+                                          <p:spTgt spid="5"/>
+                                        </p:tgtEl>
+                                        <p:attrNameLst>
+                                          <p:attrName>ppt_h</p:attrName>
+                                        </p:attrNameLst>
+                                      </p:cBhvr>
+                                      <p:tavLst>
+                                        <p:tav tm="0">
+                                          <p:val>
+                                            <p:strVal val="#ppt_h"/>
+                                          </p:val>
+                                        </p:tav>
+                                        <p:tav tm="100000">
+                                          <p:val>
+                                            <p:strVal val="#ppt_h"/>
+                                          </p:val>
+                                        </p:tav>
+                                      </p:tavLst>
+                                    </p:anim>
+                                  </p:childTnLst>
+                                </p:cTn>
+                              </p:par>
+                            </p:childTnLst>
+                          </p:cTn>
+                        </p:par>
+                      </p:childTnLst>
+                    </p:cTn>
+                  </p:par>
+                </p:childTnLst>
+              </p:cTn>
+              <p:prevCondLst>
+                <p:cond evt="onPrev" delay="0">
+                  <p:tgtEl>
+                    <p:sldTgt/>
+                  </p:tgtEl>
+                </p:cond>
+              </p:prevCondLst>
+              <p:nextCondLst>
+                <p:cond evt="onNext" delay="0">
+                  <p:tgtEl>
+                    <p:sldTgt/>
+                  </p:tgtEl>
+                </p:cond>
+              </p:nextCondLst>
+            </p:seq>
+          </p:childTnLst>
+        </p:cTn>
       </p:par>
     </p:tnLst>
+    <p:bldLst>
+      <p:bldP spid="2" grpId="0"/>
+      <p:bldP spid="4" grpId="0" build="p"/>
+    </p:bldLst>
   </p:timing>
 </p:sld>
 </file>
@@ -21607,12 +22721,14 @@
           <a:bodyPr/>
           <a:lstStyle/>
           <a:p>
+            <a:pPr algn="just"/>
             <a:r>
               <a:rPr lang="pt-PT" dirty="0" smtClean="0"/>
               <a:t>Os cabos de pares entrançados são constituídos por um ou vários pares de fios de cobre.</a:t>
             </a:r>
           </a:p>
           <a:p>
+            <a:pPr algn="just"/>
             <a:r>
               <a:rPr lang="pt-PT" dirty="0" smtClean="0"/>
               <a:t>Cabos UTP–</a:t>
@@ -21635,12 +22751,14 @@
             </a:r>
           </a:p>
           <a:p>
+            <a:pPr algn="just"/>
             <a:r>
               <a:rPr lang="pt-PT" dirty="0" smtClean="0"/>
               <a:t>Cabos STP- Par Entrançado Blindado(cabo com blindagem). </a:t>
             </a:r>
           </a:p>
           <a:p>
+            <a:pPr algn="just"/>
             <a:endParaRPr lang="pt-PT" dirty="0"/>
           </a:p>
         </p:txBody>
@@ -21686,12 +22804,267 @@
   <p:clrMapOvr>
     <a:masterClrMapping/>
   </p:clrMapOvr>
+  <mc:AlternateContent xmlns:mc="http://schemas.openxmlformats.org/markup-compatibility/2006">
+    <mc:Choice xmlns:p14="http://schemas.microsoft.com/office/powerpoint/2010/main" Requires="p14">
+      <p:transition spd="slow" p14:dur="2000" advClick="0"/>
+    </mc:Choice>
+    <mc:Fallback>
+      <p:transition spd="slow" advClick="0"/>
+    </mc:Fallback>
+  </mc:AlternateContent>
   <p:timing>
     <p:tnLst>
       <p:par>
-        <p:cTn id="1" dur="indefinite" restart="never" nodeType="tmRoot"/>
+        <p:cTn id="1" dur="indefinite" restart="never" nodeType="tmRoot">
+          <p:childTnLst>
+            <p:seq concurrent="1" nextAc="seek">
+              <p:cTn id="2" dur="indefinite" nodeType="mainSeq">
+                <p:childTnLst>
+                  <p:par>
+                    <p:cTn id="3" fill="hold">
+                      <p:stCondLst>
+                        <p:cond delay="indefinite"/>
+                        <p:cond evt="onBegin" delay="0">
+                          <p:tn val="2"/>
+                        </p:cond>
+                      </p:stCondLst>
+                      <p:childTnLst>
+                        <p:par>
+                          <p:cTn id="4" fill="hold">
+                            <p:stCondLst>
+                              <p:cond delay="0"/>
+                            </p:stCondLst>
+                            <p:childTnLst>
+                              <p:par>
+                                <p:cTn id="5" presetID="2" presetClass="entr" presetSubtype="8" fill="hold" grpId="0" nodeType="withEffect">
+                                  <p:stCondLst>
+                                    <p:cond delay="0"/>
+                                  </p:stCondLst>
+                                  <p:childTnLst>
+                                    <p:set>
+                                      <p:cBhvr>
+                                        <p:cTn id="6" dur="1" fill="hold">
+                                          <p:stCondLst>
+                                            <p:cond delay="0"/>
+                                          </p:stCondLst>
+                                        </p:cTn>
+                                        <p:tgtEl>
+                                          <p:spTgt spid="2"/>
+                                        </p:tgtEl>
+                                        <p:attrNameLst>
+                                          <p:attrName>style.visibility</p:attrName>
+                                        </p:attrNameLst>
+                                      </p:cBhvr>
+                                      <p:to>
+                                        <p:strVal val="visible"/>
+                                      </p:to>
+                                    </p:set>
+                                    <p:anim calcmode="lin" valueType="num">
+                                      <p:cBhvr additive="base">
+                                        <p:cTn id="7" dur="1000" fill="hold"/>
+                                        <p:tgtEl>
+                                          <p:spTgt spid="2"/>
+                                        </p:tgtEl>
+                                        <p:attrNameLst>
+                                          <p:attrName>ppt_x</p:attrName>
+                                        </p:attrNameLst>
+                                      </p:cBhvr>
+                                      <p:tavLst>
+                                        <p:tav tm="0">
+                                          <p:val>
+                                            <p:strVal val="0-#ppt_w/2"/>
+                                          </p:val>
+                                        </p:tav>
+                                        <p:tav tm="100000">
+                                          <p:val>
+                                            <p:strVal val="#ppt_x"/>
+                                          </p:val>
+                                        </p:tav>
+                                      </p:tavLst>
+                                    </p:anim>
+                                    <p:anim calcmode="lin" valueType="num">
+                                      <p:cBhvr additive="base">
+                                        <p:cTn id="8" dur="1000" fill="hold"/>
+                                        <p:tgtEl>
+                                          <p:spTgt spid="2"/>
+                                        </p:tgtEl>
+                                        <p:attrNameLst>
+                                          <p:attrName>ppt_y</p:attrName>
+                                        </p:attrNameLst>
+                                      </p:cBhvr>
+                                      <p:tavLst>
+                                        <p:tav tm="0">
+                                          <p:val>
+                                            <p:strVal val="#ppt_y"/>
+                                          </p:val>
+                                        </p:tav>
+                                        <p:tav tm="100000">
+                                          <p:val>
+                                            <p:strVal val="#ppt_y"/>
+                                          </p:val>
+                                        </p:tav>
+                                      </p:tavLst>
+                                    </p:anim>
+                                  </p:childTnLst>
+                                </p:cTn>
+                              </p:par>
+                            </p:childTnLst>
+                          </p:cTn>
+                        </p:par>
+                        <p:par>
+                          <p:cTn id="9" fill="hold">
+                            <p:stCondLst>
+                              <p:cond delay="1000"/>
+                            </p:stCondLst>
+                            <p:childTnLst>
+                              <p:par>
+                                <p:cTn id="10" presetID="1" presetClass="entr" presetSubtype="0" fill="hold" grpId="0" nodeType="afterEffect">
+                                  <p:stCondLst>
+                                    <p:cond delay="0"/>
+                                  </p:stCondLst>
+                                  <p:childTnLst>
+                                    <p:set>
+                                      <p:cBhvr>
+                                        <p:cTn id="11" dur="1" fill="hold">
+                                          <p:stCondLst>
+                                            <p:cond delay="0"/>
+                                          </p:stCondLst>
+                                        </p:cTn>
+                                        <p:tgtEl>
+                                          <p:spTgt spid="4"/>
+                                        </p:tgtEl>
+                                        <p:attrNameLst>
+                                          <p:attrName>style.visibility</p:attrName>
+                                        </p:attrNameLst>
+                                      </p:cBhvr>
+                                      <p:to>
+                                        <p:strVal val="visible"/>
+                                      </p:to>
+                                    </p:set>
+                                  </p:childTnLst>
+                                </p:cTn>
+                              </p:par>
+                            </p:childTnLst>
+                          </p:cTn>
+                        </p:par>
+                        <p:par>
+                          <p:cTn id="12" fill="hold">
+                            <p:stCondLst>
+                              <p:cond delay="1000"/>
+                            </p:stCondLst>
+                            <p:childTnLst>
+                              <p:par>
+                                <p:cTn id="13" presetID="45" presetClass="entr" presetSubtype="0" fill="hold" nodeType="afterEffect">
+                                  <p:stCondLst>
+                                    <p:cond delay="0"/>
+                                  </p:stCondLst>
+                                  <p:childTnLst>
+                                    <p:set>
+                                      <p:cBhvr>
+                                        <p:cTn id="14" dur="1" fill="hold">
+                                          <p:stCondLst>
+                                            <p:cond delay="0"/>
+                                          </p:stCondLst>
+                                        </p:cTn>
+                                        <p:tgtEl>
+                                          <p:spTgt spid="5"/>
+                                        </p:tgtEl>
+                                        <p:attrNameLst>
+                                          <p:attrName>style.visibility</p:attrName>
+                                        </p:attrNameLst>
+                                      </p:cBhvr>
+                                      <p:to>
+                                        <p:strVal val="visible"/>
+                                      </p:to>
+                                    </p:set>
+                                    <p:animEffect transition="in" filter="fade">
+                                      <p:cBhvr>
+                                        <p:cTn id="15" dur="2000"/>
+                                        <p:tgtEl>
+                                          <p:spTgt spid="5"/>
+                                        </p:tgtEl>
+                                      </p:cBhvr>
+                                    </p:animEffect>
+                                    <p:anim calcmode="lin" valueType="num">
+                                      <p:cBhvr>
+                                        <p:cTn id="16" dur="2000" fill="hold"/>
+                                        <p:tgtEl>
+                                          <p:spTgt spid="5"/>
+                                        </p:tgtEl>
+                                        <p:attrNameLst>
+                                          <p:attrName>ppt_w</p:attrName>
+                                        </p:attrNameLst>
+                                      </p:cBhvr>
+                                      <p:tavLst>
+                                        <p:tav tm="0" fmla="#ppt_w*sin(2.5*pi*$)">
+                                          <p:val>
+                                            <p:fltVal val="0"/>
+                                          </p:val>
+                                        </p:tav>
+                                        <p:tav tm="100000">
+                                          <p:val>
+                                            <p:fltVal val="1"/>
+                                          </p:val>
+                                        </p:tav>
+                                      </p:tavLst>
+                                    </p:anim>
+                                    <p:anim calcmode="lin" valueType="num">
+                                      <p:cBhvr>
+                                        <p:cTn id="17" dur="2000" fill="hold"/>
+                                        <p:tgtEl>
+                                          <p:spTgt spid="5"/>
+                                        </p:tgtEl>
+                                        <p:attrNameLst>
+                                          <p:attrName>ppt_h</p:attrName>
+                                        </p:attrNameLst>
+                                      </p:cBhvr>
+                                      <p:tavLst>
+                                        <p:tav tm="0">
+                                          <p:val>
+                                            <p:strVal val="#ppt_h"/>
+                                          </p:val>
+                                        </p:tav>
+                                        <p:tav tm="100000">
+                                          <p:val>
+                                            <p:strVal val="#ppt_h"/>
+                                          </p:val>
+                                        </p:tav>
+                                      </p:tavLst>
+                                    </p:anim>
+                                  </p:childTnLst>
+                                </p:cTn>
+                              </p:par>
+                            </p:childTnLst>
+                          </p:cTn>
+                        </p:par>
+                      </p:childTnLst>
+                    </p:cTn>
+                  </p:par>
+                </p:childTnLst>
+              </p:cTn>
+              <p:prevCondLst>
+                <p:cond evt="onPrev" delay="0">
+                  <p:tgtEl>
+                    <p:sldTgt/>
+                  </p:tgtEl>
+                </p:cond>
+              </p:prevCondLst>
+              <p:nextCondLst>
+                <p:cond evt="onNext" delay="0">
+                  <p:tgtEl>
+                    <p:sldTgt/>
+                  </p:tgtEl>
+                </p:cond>
+              </p:nextCondLst>
+            </p:seq>
+          </p:childTnLst>
+        </p:cTn>
       </p:par>
     </p:tnLst>
+    <p:bldLst>
+      <p:bldP spid="2" grpId="0"/>
+      <p:bldP spid="4" grpId="0"/>
+    </p:bldLst>
   </p:timing>
 </p:sld>
 </file>
@@ -21781,6 +23154,7 @@
           <a:bodyPr/>
           <a:lstStyle/>
           <a:p>
+            <a:pPr algn="just"/>
             <a:r>
               <a:rPr lang="pt-PT" dirty="0" smtClean="0"/>
               <a:t>A fibra </a:t>
@@ -21795,6 +23169,7 @@
             </a:r>
           </a:p>
           <a:p>
+            <a:pPr algn="just"/>
             <a:r>
               <a:rPr lang="pt-PT" dirty="0" smtClean="0"/>
               <a:t>A fibra </a:t>
@@ -21852,12 +23227,471 @@
   <p:clrMapOvr>
     <a:masterClrMapping/>
   </p:clrMapOvr>
+  <mc:AlternateContent xmlns:mc="http://schemas.openxmlformats.org/markup-compatibility/2006">
+    <mc:Choice xmlns:p14="http://schemas.microsoft.com/office/powerpoint/2010/main" Requires="p14">
+      <p:transition spd="slow" p14:dur="2000" advClick="0"/>
+    </mc:Choice>
+    <mc:Fallback>
+      <p:transition spd="slow" advClick="0"/>
+    </mc:Fallback>
+  </mc:AlternateContent>
   <p:timing>
     <p:tnLst>
       <p:par>
-        <p:cTn id="1" dur="indefinite" restart="never" nodeType="tmRoot"/>
+        <p:cTn id="1" dur="indefinite" restart="never" nodeType="tmRoot">
+          <p:childTnLst>
+            <p:seq concurrent="1" nextAc="seek">
+              <p:cTn id="2" dur="indefinite" nodeType="mainSeq">
+                <p:childTnLst>
+                  <p:par>
+                    <p:cTn id="3" fill="hold">
+                      <p:stCondLst>
+                        <p:cond delay="indefinite"/>
+                        <p:cond evt="onBegin" delay="0">
+                          <p:tn val="2"/>
+                        </p:cond>
+                      </p:stCondLst>
+                      <p:childTnLst>
+                        <p:par>
+                          <p:cTn id="4" fill="hold">
+                            <p:stCondLst>
+                              <p:cond delay="0"/>
+                            </p:stCondLst>
+                            <p:childTnLst>
+                              <p:par>
+                                <p:cTn id="5" presetID="14" presetClass="entr" presetSubtype="10" fill="hold" grpId="0" nodeType="withEffect">
+                                  <p:stCondLst>
+                                    <p:cond delay="0"/>
+                                  </p:stCondLst>
+                                  <p:childTnLst>
+                                    <p:set>
+                                      <p:cBhvr>
+                                        <p:cTn id="6" dur="1" fill="hold">
+                                          <p:stCondLst>
+                                            <p:cond delay="0"/>
+                                          </p:stCondLst>
+                                        </p:cTn>
+                                        <p:tgtEl>
+                                          <p:spTgt spid="2"/>
+                                        </p:tgtEl>
+                                        <p:attrNameLst>
+                                          <p:attrName>style.visibility</p:attrName>
+                                        </p:attrNameLst>
+                                      </p:cBhvr>
+                                      <p:to>
+                                        <p:strVal val="visible"/>
+                                      </p:to>
+                                    </p:set>
+                                    <p:animEffect transition="in" filter="randombar(horizontal)">
+                                      <p:cBhvr>
+                                        <p:cTn id="7" dur="500"/>
+                                        <p:tgtEl>
+                                          <p:spTgt spid="2"/>
+                                        </p:tgtEl>
+                                      </p:cBhvr>
+                                    </p:animEffect>
+                                  </p:childTnLst>
+                                </p:cTn>
+                              </p:par>
+                            </p:childTnLst>
+                          </p:cTn>
+                        </p:par>
+                        <p:par>
+                          <p:cTn id="8" fill="hold">
+                            <p:stCondLst>
+                              <p:cond delay="500"/>
+                            </p:stCondLst>
+                            <p:childTnLst>
+                              <p:par>
+                                <p:cTn id="9" presetID="26" presetClass="entr" presetSubtype="0" fill="hold" grpId="0" nodeType="afterEffect">
+                                  <p:stCondLst>
+                                    <p:cond delay="0"/>
+                                  </p:stCondLst>
+                                  <p:childTnLst>
+                                    <p:set>
+                                      <p:cBhvr>
+                                        <p:cTn id="10" dur="1" fill="hold">
+                                          <p:stCondLst>
+                                            <p:cond delay="0"/>
+                                          </p:stCondLst>
+                                        </p:cTn>
+                                        <p:tgtEl>
+                                          <p:spTgt spid="4"/>
+                                        </p:tgtEl>
+                                        <p:attrNameLst>
+                                          <p:attrName>style.visibility</p:attrName>
+                                        </p:attrNameLst>
+                                      </p:cBhvr>
+                                      <p:to>
+                                        <p:strVal val="visible"/>
+                                      </p:to>
+                                    </p:set>
+                                    <p:animEffect transition="in" filter="wipe(down)">
+                                      <p:cBhvr>
+                                        <p:cTn id="11" dur="580">
+                                          <p:stCondLst>
+                                            <p:cond delay="0"/>
+                                          </p:stCondLst>
+                                        </p:cTn>
+                                        <p:tgtEl>
+                                          <p:spTgt spid="4"/>
+                                        </p:tgtEl>
+                                      </p:cBhvr>
+                                    </p:animEffect>
+                                    <p:anim calcmode="lin" valueType="num">
+                                      <p:cBhvr>
+                                        <p:cTn id="12" dur="1822" tmFilter="0,0; 0.14,0.36; 0.43,0.73; 0.71,0.91; 1.0,1.0">
+                                          <p:stCondLst>
+                                            <p:cond delay="0"/>
+                                          </p:stCondLst>
+                                        </p:cTn>
+                                        <p:tgtEl>
+                                          <p:spTgt spid="4"/>
+                                        </p:tgtEl>
+                                        <p:attrNameLst>
+                                          <p:attrName>ppt_x</p:attrName>
+                                        </p:attrNameLst>
+                                      </p:cBhvr>
+                                      <p:tavLst>
+                                        <p:tav tm="0">
+                                          <p:val>
+                                            <p:strVal val="#ppt_x-0.25"/>
+                                          </p:val>
+                                        </p:tav>
+                                        <p:tav tm="100000">
+                                          <p:val>
+                                            <p:strVal val="#ppt_x"/>
+                                          </p:val>
+                                        </p:tav>
+                                      </p:tavLst>
+                                    </p:anim>
+                                    <p:anim calcmode="lin" valueType="num">
+                                      <p:cBhvr>
+                                        <p:cTn id="13" dur="664" tmFilter="0.0,0.0; 0.25,0.07; 0.50,0.2; 0.75,0.467; 1.0,1.0">
+                                          <p:stCondLst>
+                                            <p:cond delay="0"/>
+                                          </p:stCondLst>
+                                        </p:cTn>
+                                        <p:tgtEl>
+                                          <p:spTgt spid="4"/>
+                                        </p:tgtEl>
+                                        <p:attrNameLst>
+                                          <p:attrName>ppt_y</p:attrName>
+                                        </p:attrNameLst>
+                                      </p:cBhvr>
+                                      <p:tavLst>
+                                        <p:tav tm="0" fmla="#ppt_y-sin(pi*$)/3">
+                                          <p:val>
+                                            <p:fltVal val="0.5"/>
+                                          </p:val>
+                                        </p:tav>
+                                        <p:tav tm="100000">
+                                          <p:val>
+                                            <p:fltVal val="1"/>
+                                          </p:val>
+                                        </p:tav>
+                                      </p:tavLst>
+                                    </p:anim>
+                                    <p:anim calcmode="lin" valueType="num">
+                                      <p:cBhvr>
+                                        <p:cTn id="14" dur="664" tmFilter="0, 0; 0.125,0.2665; 0.25,0.4; 0.375,0.465; 0.5,0.5;  0.625,0.535; 0.75,0.6; 0.875,0.7335; 1,1">
+                                          <p:stCondLst>
+                                            <p:cond delay="664"/>
+                                          </p:stCondLst>
+                                        </p:cTn>
+                                        <p:tgtEl>
+                                          <p:spTgt spid="4"/>
+                                        </p:tgtEl>
+                                        <p:attrNameLst>
+                                          <p:attrName>ppt_y</p:attrName>
+                                        </p:attrNameLst>
+                                      </p:cBhvr>
+                                      <p:tavLst>
+                                        <p:tav tm="0" fmla="#ppt_y-sin(pi*$)/9">
+                                          <p:val>
+                                            <p:fltVal val="0"/>
+                                          </p:val>
+                                        </p:tav>
+                                        <p:tav tm="100000">
+                                          <p:val>
+                                            <p:fltVal val="1"/>
+                                          </p:val>
+                                        </p:tav>
+                                      </p:tavLst>
+                                    </p:anim>
+                                    <p:anim calcmode="lin" valueType="num">
+                                      <p:cBhvr>
+                                        <p:cTn id="15" dur="332" tmFilter="0, 0; 0.125,0.2665; 0.25,0.4; 0.375,0.465; 0.5,0.5;  0.625,0.535; 0.75,0.6; 0.875,0.7335; 1,1">
+                                          <p:stCondLst>
+                                            <p:cond delay="1324"/>
+                                          </p:stCondLst>
+                                        </p:cTn>
+                                        <p:tgtEl>
+                                          <p:spTgt spid="4"/>
+                                        </p:tgtEl>
+                                        <p:attrNameLst>
+                                          <p:attrName>ppt_y</p:attrName>
+                                        </p:attrNameLst>
+                                      </p:cBhvr>
+                                      <p:tavLst>
+                                        <p:tav tm="0" fmla="#ppt_y-sin(pi*$)/27">
+                                          <p:val>
+                                            <p:fltVal val="0"/>
+                                          </p:val>
+                                        </p:tav>
+                                        <p:tav tm="100000">
+                                          <p:val>
+                                            <p:fltVal val="1"/>
+                                          </p:val>
+                                        </p:tav>
+                                      </p:tavLst>
+                                    </p:anim>
+                                    <p:anim calcmode="lin" valueType="num">
+                                      <p:cBhvr>
+                                        <p:cTn id="16" dur="164" tmFilter="0, 0; 0.125,0.2665; 0.25,0.4; 0.375,0.465; 0.5,0.5;  0.625,0.535; 0.75,0.6; 0.875,0.7335; 1,1">
+                                          <p:stCondLst>
+                                            <p:cond delay="1656"/>
+                                          </p:stCondLst>
+                                        </p:cTn>
+                                        <p:tgtEl>
+                                          <p:spTgt spid="4"/>
+                                        </p:tgtEl>
+                                        <p:attrNameLst>
+                                          <p:attrName>ppt_y</p:attrName>
+                                        </p:attrNameLst>
+                                      </p:cBhvr>
+                                      <p:tavLst>
+                                        <p:tav tm="0" fmla="#ppt_y-sin(pi*$)/81">
+                                          <p:val>
+                                            <p:fltVal val="0"/>
+                                          </p:val>
+                                        </p:tav>
+                                        <p:tav tm="100000">
+                                          <p:val>
+                                            <p:fltVal val="1"/>
+                                          </p:val>
+                                        </p:tav>
+                                      </p:tavLst>
+                                    </p:anim>
+                                    <p:animScale>
+                                      <p:cBhvr>
+                                        <p:cTn id="17" dur="26">
+                                          <p:stCondLst>
+                                            <p:cond delay="650"/>
+                                          </p:stCondLst>
+                                        </p:cTn>
+                                        <p:tgtEl>
+                                          <p:spTgt spid="4"/>
+                                        </p:tgtEl>
+                                      </p:cBhvr>
+                                      <p:to x="100000" y="60000"/>
+                                    </p:animScale>
+                                    <p:animScale>
+                                      <p:cBhvr>
+                                        <p:cTn id="18" dur="166" decel="50000">
+                                          <p:stCondLst>
+                                            <p:cond delay="676"/>
+                                          </p:stCondLst>
+                                        </p:cTn>
+                                        <p:tgtEl>
+                                          <p:spTgt spid="4"/>
+                                        </p:tgtEl>
+                                      </p:cBhvr>
+                                      <p:to x="100000" y="100000"/>
+                                    </p:animScale>
+                                    <p:animScale>
+                                      <p:cBhvr>
+                                        <p:cTn id="19" dur="26">
+                                          <p:stCondLst>
+                                            <p:cond delay="1312"/>
+                                          </p:stCondLst>
+                                        </p:cTn>
+                                        <p:tgtEl>
+                                          <p:spTgt spid="4"/>
+                                        </p:tgtEl>
+                                      </p:cBhvr>
+                                      <p:to x="100000" y="80000"/>
+                                    </p:animScale>
+                                    <p:animScale>
+                                      <p:cBhvr>
+                                        <p:cTn id="20" dur="166" decel="50000">
+                                          <p:stCondLst>
+                                            <p:cond delay="1338"/>
+                                          </p:stCondLst>
+                                        </p:cTn>
+                                        <p:tgtEl>
+                                          <p:spTgt spid="4"/>
+                                        </p:tgtEl>
+                                      </p:cBhvr>
+                                      <p:to x="100000" y="100000"/>
+                                    </p:animScale>
+                                    <p:animScale>
+                                      <p:cBhvr>
+                                        <p:cTn id="21" dur="26">
+                                          <p:stCondLst>
+                                            <p:cond delay="1642"/>
+                                          </p:stCondLst>
+                                        </p:cTn>
+                                        <p:tgtEl>
+                                          <p:spTgt spid="4"/>
+                                        </p:tgtEl>
+                                      </p:cBhvr>
+                                      <p:to x="100000" y="90000"/>
+                                    </p:animScale>
+                                    <p:animScale>
+                                      <p:cBhvr>
+                                        <p:cTn id="22" dur="166" decel="50000">
+                                          <p:stCondLst>
+                                            <p:cond delay="1668"/>
+                                          </p:stCondLst>
+                                        </p:cTn>
+                                        <p:tgtEl>
+                                          <p:spTgt spid="4"/>
+                                        </p:tgtEl>
+                                      </p:cBhvr>
+                                      <p:to x="100000" y="100000"/>
+                                    </p:animScale>
+                                    <p:animScale>
+                                      <p:cBhvr>
+                                        <p:cTn id="23" dur="26">
+                                          <p:stCondLst>
+                                            <p:cond delay="1808"/>
+                                          </p:stCondLst>
+                                        </p:cTn>
+                                        <p:tgtEl>
+                                          <p:spTgt spid="4"/>
+                                        </p:tgtEl>
+                                      </p:cBhvr>
+                                      <p:to x="100000" y="95000"/>
+                                    </p:animScale>
+                                    <p:animScale>
+                                      <p:cBhvr>
+                                        <p:cTn id="24" dur="166" decel="50000">
+                                          <p:stCondLst>
+                                            <p:cond delay="1834"/>
+                                          </p:stCondLst>
+                                        </p:cTn>
+                                        <p:tgtEl>
+                                          <p:spTgt spid="4"/>
+                                        </p:tgtEl>
+                                      </p:cBhvr>
+                                      <p:to x="100000" y="100000"/>
+                                    </p:animScale>
+                                  </p:childTnLst>
+                                </p:cTn>
+                              </p:par>
+                              <p:par>
+                                <p:cTn id="25" presetID="45" presetClass="entr" presetSubtype="0" fill="hold" nodeType="withEffect">
+                                  <p:stCondLst>
+                                    <p:cond delay="0"/>
+                                  </p:stCondLst>
+                                  <p:childTnLst>
+                                    <p:set>
+                                      <p:cBhvr>
+                                        <p:cTn id="26" dur="1" fill="hold">
+                                          <p:stCondLst>
+                                            <p:cond delay="0"/>
+                                          </p:stCondLst>
+                                        </p:cTn>
+                                        <p:tgtEl>
+                                          <p:spTgt spid="5"/>
+                                        </p:tgtEl>
+                                        <p:attrNameLst>
+                                          <p:attrName>style.visibility</p:attrName>
+                                        </p:attrNameLst>
+                                      </p:cBhvr>
+                                      <p:to>
+                                        <p:strVal val="visible"/>
+                                      </p:to>
+                                    </p:set>
+                                    <p:animEffect transition="in" filter="fade">
+                                      <p:cBhvr>
+                                        <p:cTn id="27" dur="2000"/>
+                                        <p:tgtEl>
+                                          <p:spTgt spid="5"/>
+                                        </p:tgtEl>
+                                      </p:cBhvr>
+                                    </p:animEffect>
+                                    <p:anim calcmode="lin" valueType="num">
+                                      <p:cBhvr>
+                                        <p:cTn id="28" dur="2000" fill="hold"/>
+                                        <p:tgtEl>
+                                          <p:spTgt spid="5"/>
+                                        </p:tgtEl>
+                                        <p:attrNameLst>
+                                          <p:attrName>ppt_w</p:attrName>
+                                        </p:attrNameLst>
+                                      </p:cBhvr>
+                                      <p:tavLst>
+                                        <p:tav tm="0" fmla="#ppt_w*sin(2.5*pi*$)">
+                                          <p:val>
+                                            <p:fltVal val="0"/>
+                                          </p:val>
+                                        </p:tav>
+                                        <p:tav tm="100000">
+                                          <p:val>
+                                            <p:fltVal val="1"/>
+                                          </p:val>
+                                        </p:tav>
+                                      </p:tavLst>
+                                    </p:anim>
+                                    <p:anim calcmode="lin" valueType="num">
+                                      <p:cBhvr>
+                                        <p:cTn id="29" dur="2000" fill="hold"/>
+                                        <p:tgtEl>
+                                          <p:spTgt spid="5"/>
+                                        </p:tgtEl>
+                                        <p:attrNameLst>
+                                          <p:attrName>ppt_h</p:attrName>
+                                        </p:attrNameLst>
+                                      </p:cBhvr>
+                                      <p:tavLst>
+                                        <p:tav tm="0">
+                                          <p:val>
+                                            <p:strVal val="#ppt_h"/>
+                                          </p:val>
+                                        </p:tav>
+                                        <p:tav tm="100000">
+                                          <p:val>
+                                            <p:strVal val="#ppt_h"/>
+                                          </p:val>
+                                        </p:tav>
+                                      </p:tavLst>
+                                    </p:anim>
+                                  </p:childTnLst>
+                                </p:cTn>
+                              </p:par>
+                            </p:childTnLst>
+                          </p:cTn>
+                        </p:par>
+                      </p:childTnLst>
+                    </p:cTn>
+                  </p:par>
+                </p:childTnLst>
+              </p:cTn>
+              <p:prevCondLst>
+                <p:cond evt="onPrev" delay="0">
+                  <p:tgtEl>
+                    <p:sldTgt/>
+                  </p:tgtEl>
+                </p:cond>
+              </p:prevCondLst>
+              <p:nextCondLst>
+                <p:cond evt="onNext" delay="0">
+                  <p:tgtEl>
+                    <p:sldTgt/>
+                  </p:tgtEl>
+                </p:cond>
+              </p:nextCondLst>
+            </p:seq>
+          </p:childTnLst>
+        </p:cTn>
       </p:par>
     </p:tnLst>
+    <p:bldLst>
+      <p:bldP spid="2" grpId="0"/>
+      <p:bldP spid="4" grpId="0"/>
+    </p:bldLst>
   </p:timing>
 </p:sld>
 </file>
@@ -21927,13 +23761,7 @@
               <a:rPr lang="pt-PT" dirty="0" smtClean="0">
                 <a:hlinkClick r:id="rId2" action="ppaction://hlinksldjump"/>
               </a:rPr>
-              <a:t>Tipos de </a:t>
-            </a:r>
-            <a:r>
-              <a:rPr lang="pt-PT" dirty="0" smtClean="0">
-                <a:hlinkClick r:id="rId2" action="ppaction://hlinksldjump"/>
-              </a:rPr>
-              <a:t>redes</a:t>
+              <a:t>Tipos de redes</a:t>
             </a:r>
             <a:endParaRPr lang="pt-PT" dirty="0" smtClean="0"/>
           </a:p>
@@ -21988,7 +23816,6 @@
               <a:rPr lang="pt-PT" dirty="0" smtClean="0"/>
               <a:t>Outros tipos de rede</a:t>
             </a:r>
-            <a:endParaRPr lang="pt-PT" dirty="0" smtClean="0"/>
           </a:p>
           <a:p>
             <a:pPr>
@@ -22099,6 +23926,14 @@
   <p:clrMapOvr>
     <a:masterClrMapping/>
   </p:clrMapOvr>
+  <mc:AlternateContent xmlns:mc="http://schemas.openxmlformats.org/markup-compatibility/2006">
+    <mc:Choice xmlns:p14="http://schemas.microsoft.com/office/powerpoint/2010/main" Requires="p14">
+      <p:transition spd="slow" p14:dur="2000" advClick="0"/>
+    </mc:Choice>
+    <mc:Fallback>
+      <p:transition spd="slow" advClick="0"/>
+    </mc:Fallback>
+  </mc:AlternateContent>
   <p:timing>
     <p:tnLst>
       <p:par>
@@ -22180,6 +24015,30 @@
           </a:p>
         </p:txBody>
       </p:sp>
+      <p:pic>
+        <p:nvPicPr>
+          <p:cNvPr id="3" name="Imagem 2"/>
+          <p:cNvPicPr>
+            <a:picLocks noChangeAspect="1"/>
+          </p:cNvPicPr>
+          <p:nvPr/>
+        </p:nvPicPr>
+        <p:blipFill>
+          <a:blip r:embed="rId3"/>
+          <a:stretch>
+            <a:fillRect/>
+          </a:stretch>
+        </p:blipFill>
+        <p:spPr>
+          <a:xfrm>
+            <a:off x="3660431" y="3644537"/>
+            <a:ext cx="4871137" cy="1808525"/>
+          </a:xfrm>
+          <a:prstGeom prst="rect">
+            <a:avLst/>
+          </a:prstGeom>
+        </p:spPr>
+      </p:pic>
     </p:spTree>
     <p:extLst>
       <p:ext uri="{BB962C8B-B14F-4D97-AF65-F5344CB8AC3E}">
@@ -22190,12 +24049,192 @@
   <p:clrMapOvr>
     <a:masterClrMapping/>
   </p:clrMapOvr>
+  <mc:AlternateContent xmlns:mc="http://schemas.openxmlformats.org/markup-compatibility/2006">
+    <mc:Choice xmlns:p14="http://schemas.microsoft.com/office/powerpoint/2010/main" Requires="p14">
+      <p:transition spd="slow" p14:dur="2000" advClick="0"/>
+    </mc:Choice>
+    <mc:Fallback>
+      <p:transition spd="slow" advClick="0"/>
+    </mc:Fallback>
+  </mc:AlternateContent>
   <p:timing>
     <p:tnLst>
       <p:par>
-        <p:cTn id="1" dur="indefinite" restart="never" nodeType="tmRoot"/>
+        <p:cTn id="1" dur="indefinite" restart="never" nodeType="tmRoot">
+          <p:childTnLst>
+            <p:seq concurrent="1" nextAc="seek">
+              <p:cTn id="2" dur="indefinite" nodeType="mainSeq">
+                <p:childTnLst>
+                  <p:par>
+                    <p:cTn id="3" fill="hold">
+                      <p:stCondLst>
+                        <p:cond delay="indefinite"/>
+                        <p:cond evt="onBegin" delay="0">
+                          <p:tn val="2"/>
+                        </p:cond>
+                      </p:stCondLst>
+                      <p:childTnLst>
+                        <p:par>
+                          <p:cTn id="4" fill="hold">
+                            <p:stCondLst>
+                              <p:cond delay="0"/>
+                            </p:stCondLst>
+                            <p:childTnLst>
+                              <p:par>
+                                <p:cTn id="5" presetID="16" presetClass="entr" presetSubtype="26" fill="hold" grpId="0" nodeType="withEffect">
+                                  <p:stCondLst>
+                                    <p:cond delay="0"/>
+                                  </p:stCondLst>
+                                  <p:childTnLst>
+                                    <p:set>
+                                      <p:cBhvr>
+                                        <p:cTn id="6" dur="1" fill="hold">
+                                          <p:stCondLst>
+                                            <p:cond delay="0"/>
+                                          </p:stCondLst>
+                                        </p:cTn>
+                                        <p:tgtEl>
+                                          <p:spTgt spid="2"/>
+                                        </p:tgtEl>
+                                        <p:attrNameLst>
+                                          <p:attrName>style.visibility</p:attrName>
+                                        </p:attrNameLst>
+                                      </p:cBhvr>
+                                      <p:to>
+                                        <p:strVal val="visible"/>
+                                      </p:to>
+                                    </p:set>
+                                    <p:animEffect transition="in" filter="barn(inHorizontal)">
+                                      <p:cBhvr>
+                                        <p:cTn id="7" dur="1000"/>
+                                        <p:tgtEl>
+                                          <p:spTgt spid="2"/>
+                                        </p:tgtEl>
+                                      </p:cBhvr>
+                                    </p:animEffect>
+                                  </p:childTnLst>
+                                </p:cTn>
+                              </p:par>
+                            </p:childTnLst>
+                          </p:cTn>
+                        </p:par>
+                        <p:par>
+                          <p:cTn id="8" fill="hold">
+                            <p:stCondLst>
+                              <p:cond delay="1000"/>
+                            </p:stCondLst>
+                            <p:childTnLst>
+                              <p:par>
+                                <p:cTn id="9" presetID="45" presetClass="entr" presetSubtype="0" fill="hold" nodeType="afterEffect">
+                                  <p:stCondLst>
+                                    <p:cond delay="0"/>
+                                  </p:stCondLst>
+                                  <p:childTnLst>
+                                    <p:set>
+                                      <p:cBhvr>
+                                        <p:cTn id="10" dur="1" fill="hold">
+                                          <p:stCondLst>
+                                            <p:cond delay="0"/>
+                                          </p:stCondLst>
+                                        </p:cTn>
+                                        <p:tgtEl>
+                                          <p:spTgt spid="3"/>
+                                        </p:tgtEl>
+                                        <p:attrNameLst>
+                                          <p:attrName>style.visibility</p:attrName>
+                                        </p:attrNameLst>
+                                      </p:cBhvr>
+                                      <p:to>
+                                        <p:strVal val="visible"/>
+                                      </p:to>
+                                    </p:set>
+                                    <p:animEffect transition="in" filter="fade">
+                                      <p:cBhvr>
+                                        <p:cTn id="11" dur="2000"/>
+                                        <p:tgtEl>
+                                          <p:spTgt spid="3"/>
+                                        </p:tgtEl>
+                                      </p:cBhvr>
+                                    </p:animEffect>
+                                    <p:anim calcmode="lin" valueType="num">
+                                      <p:cBhvr>
+                                        <p:cTn id="12" dur="2000" fill="hold"/>
+                                        <p:tgtEl>
+                                          <p:spTgt spid="3"/>
+                                        </p:tgtEl>
+                                        <p:attrNameLst>
+                                          <p:attrName>ppt_w</p:attrName>
+                                        </p:attrNameLst>
+                                      </p:cBhvr>
+                                      <p:tavLst>
+                                        <p:tav tm="0" fmla="#ppt_w*sin(2.5*pi*$)">
+                                          <p:val>
+                                            <p:fltVal val="0"/>
+                                          </p:val>
+                                        </p:tav>
+                                        <p:tav tm="100000">
+                                          <p:val>
+                                            <p:fltVal val="1"/>
+                                          </p:val>
+                                        </p:tav>
+                                      </p:tavLst>
+                                    </p:anim>
+                                    <p:anim calcmode="lin" valueType="num">
+                                      <p:cBhvr>
+                                        <p:cTn id="13" dur="2000" fill="hold"/>
+                                        <p:tgtEl>
+                                          <p:spTgt spid="3"/>
+                                        </p:tgtEl>
+                                        <p:attrNameLst>
+                                          <p:attrName>ppt_h</p:attrName>
+                                        </p:attrNameLst>
+                                      </p:cBhvr>
+                                      <p:tavLst>
+                                        <p:tav tm="0">
+                                          <p:val>
+                                            <p:strVal val="#ppt_h"/>
+                                          </p:val>
+                                        </p:tav>
+                                        <p:tav tm="100000">
+                                          <p:val>
+                                            <p:strVal val="#ppt_h"/>
+                                          </p:val>
+                                        </p:tav>
+                                      </p:tavLst>
+                                    </p:anim>
+                                  </p:childTnLst>
+                                </p:cTn>
+                              </p:par>
+                            </p:childTnLst>
+                          </p:cTn>
+                        </p:par>
+                      </p:childTnLst>
+                    </p:cTn>
+                  </p:par>
+                </p:childTnLst>
+              </p:cTn>
+              <p:prevCondLst>
+                <p:cond evt="onPrev" delay="0">
+                  <p:tgtEl>
+                    <p:sldTgt/>
+                  </p:tgtEl>
+                </p:cond>
+              </p:prevCondLst>
+              <p:nextCondLst>
+                <p:cond evt="onNext" delay="0">
+                  <p:tgtEl>
+                    <p:sldTgt/>
+                  </p:tgtEl>
+                </p:cond>
+              </p:nextCondLst>
+            </p:seq>
+          </p:childTnLst>
+        </p:cTn>
       </p:par>
     </p:tnLst>
+    <p:bldLst>
+      <p:bldP spid="2" grpId="0"/>
+    </p:bldLst>
   </p:timing>
 </p:sld>
 </file>
@@ -22278,12 +24317,14 @@
           <a:bodyPr/>
           <a:lstStyle/>
           <a:p>
+            <a:pPr algn="just"/>
             <a:r>
               <a:rPr lang="pt-PT" sz="2000" dirty="0"/>
               <a:t>Este tipo de rede interliga regiões, países ou mesmo todo o planeta. A internet é um exemplo prático de uma rede WAN.</a:t>
             </a:r>
           </a:p>
           <a:p>
+            <a:pPr algn="just"/>
             <a:endParaRPr lang="pt-PT" dirty="0"/>
           </a:p>
         </p:txBody>
@@ -22353,12 +24394,199 @@
   <p:clrMapOvr>
     <a:masterClrMapping/>
   </p:clrMapOvr>
+  <mc:AlternateContent xmlns:mc="http://schemas.openxmlformats.org/markup-compatibility/2006">
+    <mc:Choice xmlns:p14="http://schemas.microsoft.com/office/powerpoint/2010/main" Requires="p14">
+      <p:transition spd="slow" p14:dur="2000" advClick="0"/>
+    </mc:Choice>
+    <mc:Fallback>
+      <p:transition spd="slow" advClick="0"/>
+    </mc:Fallback>
+  </mc:AlternateContent>
   <p:timing>
     <p:tnLst>
       <p:par>
-        <p:cTn id="1" dur="indefinite" restart="never" nodeType="tmRoot"/>
+        <p:cTn id="1" dur="indefinite" restart="never" nodeType="tmRoot">
+          <p:childTnLst>
+            <p:seq concurrent="1" nextAc="seek">
+              <p:cTn id="2" dur="indefinite" nodeType="mainSeq">
+                <p:childTnLst>
+                  <p:par>
+                    <p:cTn id="3" fill="hold">
+                      <p:stCondLst>
+                        <p:cond delay="indefinite"/>
+                        <p:cond evt="onBegin" delay="0">
+                          <p:tn val="2"/>
+                        </p:cond>
+                      </p:stCondLst>
+                      <p:childTnLst>
+                        <p:par>
+                          <p:cTn id="4" fill="hold">
+                            <p:stCondLst>
+                              <p:cond delay="0"/>
+                            </p:stCondLst>
+                            <p:childTnLst>
+                              <p:par>
+                                <p:cTn id="5" presetID="14" presetClass="entr" presetSubtype="10" fill="hold" grpId="0" nodeType="withEffect">
+                                  <p:stCondLst>
+                                    <p:cond delay="0"/>
+                                  </p:stCondLst>
+                                  <p:childTnLst>
+                                    <p:set>
+                                      <p:cBhvr>
+                                        <p:cTn id="6" dur="1" fill="hold">
+                                          <p:stCondLst>
+                                            <p:cond delay="0"/>
+                                          </p:stCondLst>
+                                        </p:cTn>
+                                        <p:tgtEl>
+                                          <p:spTgt spid="2"/>
+                                        </p:tgtEl>
+                                        <p:attrNameLst>
+                                          <p:attrName>style.visibility</p:attrName>
+                                        </p:attrNameLst>
+                                      </p:cBhvr>
+                                      <p:to>
+                                        <p:strVal val="visible"/>
+                                      </p:to>
+                                    </p:set>
+                                    <p:animEffect transition="in" filter="randombar(horizontal)">
+                                      <p:cBhvr>
+                                        <p:cTn id="7" dur="500"/>
+                                        <p:tgtEl>
+                                          <p:spTgt spid="2"/>
+                                        </p:tgtEl>
+                                      </p:cBhvr>
+                                    </p:animEffect>
+                                  </p:childTnLst>
+                                </p:cTn>
+                              </p:par>
+                            </p:childTnLst>
+                          </p:cTn>
+                        </p:par>
+                        <p:par>
+                          <p:cTn id="8" fill="hold">
+                            <p:stCondLst>
+                              <p:cond delay="500"/>
+                            </p:stCondLst>
+                            <p:childTnLst>
+                              <p:par>
+                                <p:cTn id="9" presetID="6" presetClass="entr" presetSubtype="16" fill="hold" grpId="0" nodeType="afterEffect">
+                                  <p:stCondLst>
+                                    <p:cond delay="0"/>
+                                  </p:stCondLst>
+                                  <p:childTnLst>
+                                    <p:set>
+                                      <p:cBhvr>
+                                        <p:cTn id="10" dur="1" fill="hold">
+                                          <p:stCondLst>
+                                            <p:cond delay="0"/>
+                                          </p:stCondLst>
+                                        </p:cTn>
+                                        <p:tgtEl>
+                                          <p:spTgt spid="3">
+                                            <p:txEl>
+                                              <p:pRg st="0" end="0"/>
+                                            </p:txEl>
+                                          </p:spTgt>
+                                        </p:tgtEl>
+                                        <p:attrNameLst>
+                                          <p:attrName>style.visibility</p:attrName>
+                                        </p:attrNameLst>
+                                      </p:cBhvr>
+                                      <p:to>
+                                        <p:strVal val="visible"/>
+                                      </p:to>
+                                    </p:set>
+                                    <p:animEffect transition="in" filter="circle(in)">
+                                      <p:cBhvr>
+                                        <p:cTn id="11" dur="2000"/>
+                                        <p:tgtEl>
+                                          <p:spTgt spid="3">
+                                            <p:txEl>
+                                              <p:pRg st="0" end="0"/>
+                                            </p:txEl>
+                                          </p:spTgt>
+                                        </p:tgtEl>
+                                      </p:cBhvr>
+                                    </p:animEffect>
+                                  </p:childTnLst>
+                                </p:cTn>
+                              </p:par>
+                            </p:childTnLst>
+                          </p:cTn>
+                        </p:par>
+                        <p:par>
+                          <p:cTn id="12" fill="hold">
+                            <p:stCondLst>
+                              <p:cond delay="2500"/>
+                            </p:stCondLst>
+                            <p:childTnLst>
+                              <p:par>
+                                <p:cTn id="13" presetID="21" presetClass="entr" presetSubtype="8" fill="hold" nodeType="afterEffect">
+                                  <p:stCondLst>
+                                    <p:cond delay="0"/>
+                                  </p:stCondLst>
+                                  <p:childTnLst>
+                                    <p:set>
+                                      <p:cBhvr>
+                                        <p:cTn id="14" dur="1" fill="hold">
+                                          <p:stCondLst>
+                                            <p:cond delay="0"/>
+                                          </p:stCondLst>
+                                        </p:cTn>
+                                        <p:tgtEl>
+                                          <p:spTgt spid="4"/>
+                                        </p:tgtEl>
+                                        <p:attrNameLst>
+                                          <p:attrName>style.visibility</p:attrName>
+                                        </p:attrNameLst>
+                                      </p:cBhvr>
+                                      <p:to>
+                                        <p:strVal val="visible"/>
+                                      </p:to>
+                                    </p:set>
+                                    <p:animEffect transition="in" filter="wheel(8)">
+                                      <p:cBhvr>
+                                        <p:cTn id="15" dur="2000"/>
+                                        <p:tgtEl>
+                                          <p:spTgt spid="4"/>
+                                        </p:tgtEl>
+                                      </p:cBhvr>
+                                    </p:animEffect>
+                                  </p:childTnLst>
+                                </p:cTn>
+                              </p:par>
+                            </p:childTnLst>
+                          </p:cTn>
+                        </p:par>
+                      </p:childTnLst>
+                    </p:cTn>
+                  </p:par>
+                </p:childTnLst>
+              </p:cTn>
+              <p:prevCondLst>
+                <p:cond evt="onPrev" delay="0">
+                  <p:tgtEl>
+                    <p:sldTgt/>
+                  </p:tgtEl>
+                </p:cond>
+              </p:prevCondLst>
+              <p:nextCondLst>
+                <p:cond evt="onNext" delay="0">
+                  <p:tgtEl>
+                    <p:sldTgt/>
+                  </p:tgtEl>
+                </p:cond>
+              </p:nextCondLst>
+            </p:seq>
+          </p:childTnLst>
+        </p:cTn>
       </p:par>
     </p:tnLst>
+    <p:bldLst>
+      <p:bldP spid="2" grpId="0"/>
+      <p:bldP spid="3" grpId="0" build="p"/>
+    </p:bldLst>
   </p:timing>
 </p:sld>
 </file>
@@ -22437,12 +24665,14 @@
           <a:bodyPr/>
           <a:lstStyle/>
           <a:p>
+            <a:pPr algn="just"/>
             <a:r>
               <a:rPr lang="pt-PT" sz="2000" dirty="0"/>
               <a:t>É uma rede informática que interliga uma grande cidade, como é o caso da conexão de organizações que tem edifícios espalhados por diferentes pontos numa cidade.</a:t>
             </a:r>
           </a:p>
           <a:p>
+            <a:pPr algn="just"/>
             <a:endParaRPr lang="pt-PT" dirty="0"/>
           </a:p>
         </p:txBody>
@@ -22512,12 +24742,365 @@
   <p:clrMapOvr>
     <a:masterClrMapping/>
   </p:clrMapOvr>
+  <mc:AlternateContent xmlns:mc="http://schemas.openxmlformats.org/markup-compatibility/2006">
+    <mc:Choice xmlns:p14="http://schemas.microsoft.com/office/powerpoint/2010/main" Requires="p14">
+      <p:transition spd="slow" p14:dur="2000" advClick="0"/>
+    </mc:Choice>
+    <mc:Fallback>
+      <p:transition spd="slow" advClick="0"/>
+    </mc:Fallback>
+  </mc:AlternateContent>
   <p:timing>
     <p:tnLst>
       <p:par>
-        <p:cTn id="1" dur="indefinite" restart="never" nodeType="tmRoot"/>
+        <p:cTn id="1" dur="indefinite" restart="never" nodeType="tmRoot">
+          <p:childTnLst>
+            <p:seq concurrent="1" nextAc="seek">
+              <p:cTn id="2" dur="indefinite" nodeType="mainSeq">
+                <p:childTnLst>
+                  <p:par>
+                    <p:cTn id="3" fill="hold">
+                      <p:stCondLst>
+                        <p:cond delay="indefinite"/>
+                        <p:cond evt="onBegin" delay="0">
+                          <p:tn val="2"/>
+                        </p:cond>
+                      </p:stCondLst>
+                      <p:childTnLst>
+                        <p:par>
+                          <p:cTn id="4" fill="hold">
+                            <p:stCondLst>
+                              <p:cond delay="0"/>
+                            </p:stCondLst>
+                            <p:childTnLst>
+                              <p:par>
+                                <p:cTn id="5" presetID="32" presetClass="emph" presetSubtype="0" fill="hold" grpId="0" nodeType="withEffect">
+                                  <p:stCondLst>
+                                    <p:cond delay="0"/>
+                                  </p:stCondLst>
+                                  <p:childTnLst>
+                                    <p:animRot by="120000">
+                                      <p:cBhvr>
+                                        <p:cTn id="6" dur="100" fill="hold">
+                                          <p:stCondLst>
+                                            <p:cond delay="0"/>
+                                          </p:stCondLst>
+                                        </p:cTn>
+                                        <p:tgtEl>
+                                          <p:spTgt spid="2"/>
+                                        </p:tgtEl>
+                                        <p:attrNameLst>
+                                          <p:attrName>r</p:attrName>
+                                        </p:attrNameLst>
+                                      </p:cBhvr>
+                                    </p:animRot>
+                                    <p:animRot by="-240000">
+                                      <p:cBhvr>
+                                        <p:cTn id="7" dur="200" fill="hold">
+                                          <p:stCondLst>
+                                            <p:cond delay="200"/>
+                                          </p:stCondLst>
+                                        </p:cTn>
+                                        <p:tgtEl>
+                                          <p:spTgt spid="2"/>
+                                        </p:tgtEl>
+                                        <p:attrNameLst>
+                                          <p:attrName>r</p:attrName>
+                                        </p:attrNameLst>
+                                      </p:cBhvr>
+                                    </p:animRot>
+                                    <p:animRot by="240000">
+                                      <p:cBhvr>
+                                        <p:cTn id="8" dur="200" fill="hold">
+                                          <p:stCondLst>
+                                            <p:cond delay="400"/>
+                                          </p:stCondLst>
+                                        </p:cTn>
+                                        <p:tgtEl>
+                                          <p:spTgt spid="2"/>
+                                        </p:tgtEl>
+                                        <p:attrNameLst>
+                                          <p:attrName>r</p:attrName>
+                                        </p:attrNameLst>
+                                      </p:cBhvr>
+                                    </p:animRot>
+                                    <p:animRot by="-240000">
+                                      <p:cBhvr>
+                                        <p:cTn id="9" dur="200" fill="hold">
+                                          <p:stCondLst>
+                                            <p:cond delay="600"/>
+                                          </p:stCondLst>
+                                        </p:cTn>
+                                        <p:tgtEl>
+                                          <p:spTgt spid="2"/>
+                                        </p:tgtEl>
+                                        <p:attrNameLst>
+                                          <p:attrName>r</p:attrName>
+                                        </p:attrNameLst>
+                                      </p:cBhvr>
+                                    </p:animRot>
+                                    <p:animRot by="120000">
+                                      <p:cBhvr>
+                                        <p:cTn id="10" dur="200" fill="hold">
+                                          <p:stCondLst>
+                                            <p:cond delay="800"/>
+                                          </p:stCondLst>
+                                        </p:cTn>
+                                        <p:tgtEl>
+                                          <p:spTgt spid="2"/>
+                                        </p:tgtEl>
+                                        <p:attrNameLst>
+                                          <p:attrName>r</p:attrName>
+                                        </p:attrNameLst>
+                                      </p:cBhvr>
+                                    </p:animRot>
+                                  </p:childTnLst>
+                                </p:cTn>
+                              </p:par>
+                              <p:par>
+                                <p:cTn id="11" presetID="31" presetClass="entr" presetSubtype="0" fill="hold" nodeType="withEffect">
+                                  <p:stCondLst>
+                                    <p:cond delay="0"/>
+                                  </p:stCondLst>
+                                  <p:childTnLst>
+                                    <p:set>
+                                      <p:cBhvr>
+                                        <p:cTn id="12" dur="1" fill="hold">
+                                          <p:stCondLst>
+                                            <p:cond delay="0"/>
+                                          </p:stCondLst>
+                                        </p:cTn>
+                                        <p:tgtEl>
+                                          <p:spTgt spid="3">
+                                            <p:txEl>
+                                              <p:pRg st="0" end="0"/>
+                                            </p:txEl>
+                                          </p:spTgt>
+                                        </p:tgtEl>
+                                        <p:attrNameLst>
+                                          <p:attrName>style.visibility</p:attrName>
+                                        </p:attrNameLst>
+                                      </p:cBhvr>
+                                      <p:to>
+                                        <p:strVal val="visible"/>
+                                      </p:to>
+                                    </p:set>
+                                    <p:anim calcmode="lin" valueType="num">
+                                      <p:cBhvr>
+                                        <p:cTn id="13" dur="1000" fill="hold"/>
+                                        <p:tgtEl>
+                                          <p:spTgt spid="3">
+                                            <p:txEl>
+                                              <p:pRg st="0" end="0"/>
+                                            </p:txEl>
+                                          </p:spTgt>
+                                        </p:tgtEl>
+                                        <p:attrNameLst>
+                                          <p:attrName>ppt_w</p:attrName>
+                                        </p:attrNameLst>
+                                      </p:cBhvr>
+                                      <p:tavLst>
+                                        <p:tav tm="0">
+                                          <p:val>
+                                            <p:fltVal val="0"/>
+                                          </p:val>
+                                        </p:tav>
+                                        <p:tav tm="100000">
+                                          <p:val>
+                                            <p:strVal val="#ppt_w"/>
+                                          </p:val>
+                                        </p:tav>
+                                      </p:tavLst>
+                                    </p:anim>
+                                    <p:anim calcmode="lin" valueType="num">
+                                      <p:cBhvr>
+                                        <p:cTn id="14" dur="1000" fill="hold"/>
+                                        <p:tgtEl>
+                                          <p:spTgt spid="3">
+                                            <p:txEl>
+                                              <p:pRg st="0" end="0"/>
+                                            </p:txEl>
+                                          </p:spTgt>
+                                        </p:tgtEl>
+                                        <p:attrNameLst>
+                                          <p:attrName>ppt_h</p:attrName>
+                                        </p:attrNameLst>
+                                      </p:cBhvr>
+                                      <p:tavLst>
+                                        <p:tav tm="0">
+                                          <p:val>
+                                            <p:fltVal val="0"/>
+                                          </p:val>
+                                        </p:tav>
+                                        <p:tav tm="100000">
+                                          <p:val>
+                                            <p:strVal val="#ppt_h"/>
+                                          </p:val>
+                                        </p:tav>
+                                      </p:tavLst>
+                                    </p:anim>
+                                    <p:anim calcmode="lin" valueType="num">
+                                      <p:cBhvr>
+                                        <p:cTn id="15" dur="1000" fill="hold"/>
+                                        <p:tgtEl>
+                                          <p:spTgt spid="3">
+                                            <p:txEl>
+                                              <p:pRg st="0" end="0"/>
+                                            </p:txEl>
+                                          </p:spTgt>
+                                        </p:tgtEl>
+                                        <p:attrNameLst>
+                                          <p:attrName>style.rotation</p:attrName>
+                                        </p:attrNameLst>
+                                      </p:cBhvr>
+                                      <p:tavLst>
+                                        <p:tav tm="0">
+                                          <p:val>
+                                            <p:fltVal val="90"/>
+                                          </p:val>
+                                        </p:tav>
+                                        <p:tav tm="100000">
+                                          <p:val>
+                                            <p:fltVal val="0"/>
+                                          </p:val>
+                                        </p:tav>
+                                      </p:tavLst>
+                                    </p:anim>
+                                    <p:animEffect transition="in" filter="fade">
+                                      <p:cBhvr>
+                                        <p:cTn id="16" dur="1000"/>
+                                        <p:tgtEl>
+                                          <p:spTgt spid="3">
+                                            <p:txEl>
+                                              <p:pRg st="0" end="0"/>
+                                            </p:txEl>
+                                          </p:spTgt>
+                                        </p:tgtEl>
+                                      </p:cBhvr>
+                                    </p:animEffect>
+                                  </p:childTnLst>
+                                </p:cTn>
+                              </p:par>
+                            </p:childTnLst>
+                          </p:cTn>
+                        </p:par>
+                        <p:par>
+                          <p:cTn id="17" fill="hold">
+                            <p:stCondLst>
+                              <p:cond delay="1000"/>
+                            </p:stCondLst>
+                            <p:childTnLst>
+                              <p:par>
+                                <p:cTn id="18" presetID="45" presetClass="entr" presetSubtype="0" fill="hold" nodeType="afterEffect">
+                                  <p:stCondLst>
+                                    <p:cond delay="0"/>
+                                  </p:stCondLst>
+                                  <p:childTnLst>
+                                    <p:set>
+                                      <p:cBhvr>
+                                        <p:cTn id="19" dur="1" fill="hold">
+                                          <p:stCondLst>
+                                            <p:cond delay="0"/>
+                                          </p:stCondLst>
+                                        </p:cTn>
+                                        <p:tgtEl>
+                                          <p:spTgt spid="4"/>
+                                        </p:tgtEl>
+                                        <p:attrNameLst>
+                                          <p:attrName>style.visibility</p:attrName>
+                                        </p:attrNameLst>
+                                      </p:cBhvr>
+                                      <p:to>
+                                        <p:strVal val="visible"/>
+                                      </p:to>
+                                    </p:set>
+                                    <p:animEffect transition="in" filter="fade">
+                                      <p:cBhvr>
+                                        <p:cTn id="20" dur="2000"/>
+                                        <p:tgtEl>
+                                          <p:spTgt spid="4"/>
+                                        </p:tgtEl>
+                                      </p:cBhvr>
+                                    </p:animEffect>
+                                    <p:anim calcmode="lin" valueType="num">
+                                      <p:cBhvr>
+                                        <p:cTn id="21" dur="2000" fill="hold"/>
+                                        <p:tgtEl>
+                                          <p:spTgt spid="4"/>
+                                        </p:tgtEl>
+                                        <p:attrNameLst>
+                                          <p:attrName>ppt_w</p:attrName>
+                                        </p:attrNameLst>
+                                      </p:cBhvr>
+                                      <p:tavLst>
+                                        <p:tav tm="0" fmla="#ppt_w*sin(2.5*pi*$)">
+                                          <p:val>
+                                            <p:fltVal val="0"/>
+                                          </p:val>
+                                        </p:tav>
+                                        <p:tav tm="100000">
+                                          <p:val>
+                                            <p:fltVal val="1"/>
+                                          </p:val>
+                                        </p:tav>
+                                      </p:tavLst>
+                                    </p:anim>
+                                    <p:anim calcmode="lin" valueType="num">
+                                      <p:cBhvr>
+                                        <p:cTn id="22" dur="2000" fill="hold"/>
+                                        <p:tgtEl>
+                                          <p:spTgt spid="4"/>
+                                        </p:tgtEl>
+                                        <p:attrNameLst>
+                                          <p:attrName>ppt_h</p:attrName>
+                                        </p:attrNameLst>
+                                      </p:cBhvr>
+                                      <p:tavLst>
+                                        <p:tav tm="0">
+                                          <p:val>
+                                            <p:strVal val="#ppt_h"/>
+                                          </p:val>
+                                        </p:tav>
+                                        <p:tav tm="100000">
+                                          <p:val>
+                                            <p:strVal val="#ppt_h"/>
+                                          </p:val>
+                                        </p:tav>
+                                      </p:tavLst>
+                                    </p:anim>
+                                  </p:childTnLst>
+                                </p:cTn>
+                              </p:par>
+                            </p:childTnLst>
+                          </p:cTn>
+                        </p:par>
+                      </p:childTnLst>
+                    </p:cTn>
+                  </p:par>
+                </p:childTnLst>
+              </p:cTn>
+              <p:prevCondLst>
+                <p:cond evt="onPrev" delay="0">
+                  <p:tgtEl>
+                    <p:sldTgt/>
+                  </p:tgtEl>
+                </p:cond>
+              </p:prevCondLst>
+              <p:nextCondLst>
+                <p:cond evt="onNext" delay="0">
+                  <p:tgtEl>
+                    <p:sldTgt/>
+                  </p:tgtEl>
+                </p:cond>
+              </p:nextCondLst>
+            </p:seq>
+          </p:childTnLst>
+        </p:cTn>
       </p:par>
     </p:tnLst>
+    <p:bldLst>
+      <p:bldP spid="2" grpId="0"/>
+    </p:bldLst>
   </p:timing>
 </p:sld>
 </file>
@@ -22588,12 +25171,14 @@
           <a:bodyPr/>
           <a:lstStyle/>
           <a:p>
+            <a:pPr algn="just"/>
             <a:r>
               <a:rPr lang="pt-PT" sz="2000" dirty="0"/>
               <a:t>Temos uma rede local quando conectando dois ou mais computadores em um mesmo ambiente a uma distância máxima de 100 metros entre si. </a:t>
             </a:r>
           </a:p>
           <a:p>
+            <a:pPr algn="just"/>
             <a:endParaRPr lang="pt-PT" dirty="0"/>
           </a:p>
         </p:txBody>
@@ -22663,12 +25248,184 @@
   <p:clrMapOvr>
     <a:masterClrMapping/>
   </p:clrMapOvr>
+  <mc:AlternateContent xmlns:mc="http://schemas.openxmlformats.org/markup-compatibility/2006">
+    <mc:Choice xmlns:p14="http://schemas.microsoft.com/office/powerpoint/2010/main" Requires="p14">
+      <p:transition spd="slow" p14:dur="2000" advClick="0"/>
+    </mc:Choice>
+    <mc:Fallback>
+      <p:transition spd="slow" advClick="0"/>
+    </mc:Fallback>
+  </mc:AlternateContent>
   <p:timing>
     <p:tnLst>
       <p:par>
-        <p:cTn id="1" dur="indefinite" restart="never" nodeType="tmRoot"/>
+        <p:cTn id="1" dur="indefinite" restart="never" nodeType="tmRoot">
+          <p:childTnLst>
+            <p:seq concurrent="1" nextAc="seek">
+              <p:cTn id="2" dur="indefinite" nodeType="mainSeq">
+                <p:childTnLst>
+                  <p:par>
+                    <p:cTn id="3" fill="hold">
+                      <p:stCondLst>
+                        <p:cond delay="indefinite"/>
+                        <p:cond evt="onBegin" delay="0">
+                          <p:tn val="2"/>
+                        </p:cond>
+                      </p:stCondLst>
+                      <p:childTnLst>
+                        <p:par>
+                          <p:cTn id="4" fill="hold">
+                            <p:stCondLst>
+                              <p:cond delay="0"/>
+                            </p:stCondLst>
+                            <p:childTnLst>
+                              <p:par>
+                                <p:cTn id="5" presetID="1" presetClass="entr" presetSubtype="0" fill="hold" grpId="0" nodeType="withEffect">
+                                  <p:stCondLst>
+                                    <p:cond delay="0"/>
+                                  </p:stCondLst>
+                                  <p:childTnLst>
+                                    <p:set>
+                                      <p:cBhvr>
+                                        <p:cTn id="6" dur="1" fill="hold">
+                                          <p:stCondLst>
+                                            <p:cond delay="0"/>
+                                          </p:stCondLst>
+                                        </p:cTn>
+                                        <p:tgtEl>
+                                          <p:spTgt spid="2"/>
+                                        </p:tgtEl>
+                                        <p:attrNameLst>
+                                          <p:attrName>style.visibility</p:attrName>
+                                        </p:attrNameLst>
+                                      </p:cBhvr>
+                                      <p:to>
+                                        <p:strVal val="visible"/>
+                                      </p:to>
+                                    </p:set>
+                                  </p:childTnLst>
+                                </p:cTn>
+                              </p:par>
+                            </p:childTnLst>
+                          </p:cTn>
+                        </p:par>
+                        <p:par>
+                          <p:cTn id="7" fill="hold">
+                            <p:stCondLst>
+                              <p:cond delay="0"/>
+                            </p:stCondLst>
+                            <p:childTnLst>
+                              <p:par>
+                                <p:cTn id="8" presetID="45" presetClass="entr" presetSubtype="0" fill="hold" nodeType="afterEffect">
+                                  <p:stCondLst>
+                                    <p:cond delay="0"/>
+                                  </p:stCondLst>
+                                  <p:childTnLst>
+                                    <p:set>
+                                      <p:cBhvr>
+                                        <p:cTn id="9" dur="1" fill="hold">
+                                          <p:stCondLst>
+                                            <p:cond delay="0"/>
+                                          </p:stCondLst>
+                                        </p:cTn>
+                                        <p:tgtEl>
+                                          <p:spTgt spid="4"/>
+                                        </p:tgtEl>
+                                        <p:attrNameLst>
+                                          <p:attrName>style.visibility</p:attrName>
+                                        </p:attrNameLst>
+                                      </p:cBhvr>
+                                      <p:to>
+                                        <p:strVal val="visible"/>
+                                      </p:to>
+                                    </p:set>
+                                    <p:animEffect transition="in" filter="fade">
+                                      <p:cBhvr>
+                                        <p:cTn id="10" dur="2000"/>
+                                        <p:tgtEl>
+                                          <p:spTgt spid="4"/>
+                                        </p:tgtEl>
+                                      </p:cBhvr>
+                                    </p:animEffect>
+                                    <p:anim calcmode="lin" valueType="num">
+                                      <p:cBhvr>
+                                        <p:cTn id="11" dur="2000" fill="hold"/>
+                                        <p:tgtEl>
+                                          <p:spTgt spid="4"/>
+                                        </p:tgtEl>
+                                        <p:attrNameLst>
+                                          <p:attrName>ppt_w</p:attrName>
+                                        </p:attrNameLst>
+                                      </p:cBhvr>
+                                      <p:tavLst>
+                                        <p:tav tm="0" fmla="#ppt_w*sin(2.5*pi*$)">
+                                          <p:val>
+                                            <p:fltVal val="0"/>
+                                          </p:val>
+                                        </p:tav>
+                                        <p:tav tm="100000">
+                                          <p:val>
+                                            <p:fltVal val="1"/>
+                                          </p:val>
+                                        </p:tav>
+                                      </p:tavLst>
+                                    </p:anim>
+                                    <p:anim calcmode="lin" valueType="num">
+                                      <p:cBhvr>
+                                        <p:cTn id="12" dur="2000" fill="hold"/>
+                                        <p:tgtEl>
+                                          <p:spTgt spid="4"/>
+                                        </p:tgtEl>
+                                        <p:attrNameLst>
+                                          <p:attrName>ppt_h</p:attrName>
+                                        </p:attrNameLst>
+                                      </p:cBhvr>
+                                      <p:tavLst>
+                                        <p:tav tm="0">
+                                          <p:val>
+                                            <p:strVal val="#ppt_h"/>
+                                          </p:val>
+                                        </p:tav>
+                                        <p:tav tm="100000">
+                                          <p:val>
+                                            <p:strVal val="#ppt_h"/>
+                                          </p:val>
+                                        </p:tav>
+                                      </p:tavLst>
+                                    </p:anim>
+                                  </p:childTnLst>
+                                </p:cTn>
+                              </p:par>
+                            </p:childTnLst>
+                          </p:cTn>
+                        </p:par>
+                      </p:childTnLst>
+                    </p:cTn>
+                  </p:par>
+                </p:childTnLst>
+              </p:cTn>
+              <p:prevCondLst>
+                <p:cond evt="onPrev" delay="0">
+                  <p:tgtEl>
+                    <p:sldTgt/>
+                  </p:tgtEl>
+                </p:cond>
+              </p:prevCondLst>
+              <p:nextCondLst>
+                <p:cond evt="onNext" delay="0">
+                  <p:tgtEl>
+                    <p:sldTgt/>
+                  </p:tgtEl>
+                </p:cond>
+              </p:nextCondLst>
+            </p:seq>
+          </p:childTnLst>
+        </p:cTn>
       </p:par>
     </p:tnLst>
+    <p:bldLst>
+      <p:bldP spid="2" grpId="0"/>
+    </p:bldLst>
   </p:timing>
 </p:sld>
 </file>
@@ -22817,12 +25574,192 @@
   <p:clrMapOvr>
     <a:masterClrMapping/>
   </p:clrMapOvr>
+  <mc:AlternateContent xmlns:mc="http://schemas.openxmlformats.org/markup-compatibility/2006">
+    <mc:Choice xmlns:p14="http://schemas.microsoft.com/office/powerpoint/2010/main" Requires="p14">
+      <p:transition spd="slow" p14:dur="2000" advClick="0"/>
+    </mc:Choice>
+    <mc:Fallback>
+      <p:transition spd="slow" advClick="0"/>
+    </mc:Fallback>
+  </mc:AlternateContent>
   <p:timing>
     <p:tnLst>
       <p:par>
-        <p:cTn id="1" dur="indefinite" restart="never" nodeType="tmRoot"/>
+        <p:cTn id="1" dur="indefinite" restart="never" nodeType="tmRoot">
+          <p:childTnLst>
+            <p:seq concurrent="1" nextAc="seek">
+              <p:cTn id="2" dur="indefinite" nodeType="mainSeq">
+                <p:childTnLst>
+                  <p:par>
+                    <p:cTn id="3" fill="hold">
+                      <p:stCondLst>
+                        <p:cond delay="indefinite"/>
+                        <p:cond evt="onBegin" delay="0">
+                          <p:tn val="2"/>
+                        </p:cond>
+                      </p:stCondLst>
+                      <p:childTnLst>
+                        <p:par>
+                          <p:cTn id="4" fill="hold">
+                            <p:stCondLst>
+                              <p:cond delay="0"/>
+                            </p:stCondLst>
+                            <p:childTnLst>
+                              <p:par>
+                                <p:cTn id="5" presetID="42" presetClass="entr" presetSubtype="0" fill="hold" grpId="0" nodeType="withEffect">
+                                  <p:stCondLst>
+                                    <p:cond delay="0"/>
+                                  </p:stCondLst>
+                                  <p:childTnLst>
+                                    <p:set>
+                                      <p:cBhvr>
+                                        <p:cTn id="6" dur="1" fill="hold">
+                                          <p:stCondLst>
+                                            <p:cond delay="0"/>
+                                          </p:stCondLst>
+                                        </p:cTn>
+                                        <p:tgtEl>
+                                          <p:spTgt spid="2"/>
+                                        </p:tgtEl>
+                                        <p:attrNameLst>
+                                          <p:attrName>style.visibility</p:attrName>
+                                        </p:attrNameLst>
+                                      </p:cBhvr>
+                                      <p:to>
+                                        <p:strVal val="visible"/>
+                                      </p:to>
+                                    </p:set>
+                                    <p:animEffect transition="in" filter="fade">
+                                      <p:cBhvr>
+                                        <p:cTn id="7" dur="1000"/>
+                                        <p:tgtEl>
+                                          <p:spTgt spid="2"/>
+                                        </p:tgtEl>
+                                      </p:cBhvr>
+                                    </p:animEffect>
+                                    <p:anim calcmode="lin" valueType="num">
+                                      <p:cBhvr>
+                                        <p:cTn id="8" dur="1000" fill="hold"/>
+                                        <p:tgtEl>
+                                          <p:spTgt spid="2"/>
+                                        </p:tgtEl>
+                                        <p:attrNameLst>
+                                          <p:attrName>ppt_x</p:attrName>
+                                        </p:attrNameLst>
+                                      </p:cBhvr>
+                                      <p:tavLst>
+                                        <p:tav tm="0">
+                                          <p:val>
+                                            <p:strVal val="#ppt_x"/>
+                                          </p:val>
+                                        </p:tav>
+                                        <p:tav tm="100000">
+                                          <p:val>
+                                            <p:strVal val="#ppt_x"/>
+                                          </p:val>
+                                        </p:tav>
+                                      </p:tavLst>
+                                    </p:anim>
+                                    <p:anim calcmode="lin" valueType="num">
+                                      <p:cBhvr>
+                                        <p:cTn id="9" dur="1000" fill="hold"/>
+                                        <p:tgtEl>
+                                          <p:spTgt spid="2"/>
+                                        </p:tgtEl>
+                                        <p:attrNameLst>
+                                          <p:attrName>ppt_y</p:attrName>
+                                        </p:attrNameLst>
+                                      </p:cBhvr>
+                                      <p:tavLst>
+                                        <p:tav tm="0">
+                                          <p:val>
+                                            <p:strVal val="#ppt_y+.1"/>
+                                          </p:val>
+                                        </p:tav>
+                                        <p:tav tm="100000">
+                                          <p:val>
+                                            <p:strVal val="#ppt_y"/>
+                                          </p:val>
+                                        </p:tav>
+                                      </p:tavLst>
+                                    </p:anim>
+                                  </p:childTnLst>
+                                </p:cTn>
+                              </p:par>
+                            </p:childTnLst>
+                          </p:cTn>
+                        </p:par>
+                        <p:par>
+                          <p:cTn id="10" fill="hold">
+                            <p:stCondLst>
+                              <p:cond delay="1000"/>
+                            </p:stCondLst>
+                            <p:childTnLst>
+                              <p:par>
+                                <p:cTn id="11" presetID="16" presetClass="entr" presetSubtype="21" fill="hold" nodeType="afterEffect">
+                                  <p:stCondLst>
+                                    <p:cond delay="0"/>
+                                  </p:stCondLst>
+                                  <p:childTnLst>
+                                    <p:set>
+                                      <p:cBhvr>
+                                        <p:cTn id="12" dur="1" fill="hold">
+                                          <p:stCondLst>
+                                            <p:cond delay="0"/>
+                                          </p:stCondLst>
+                                        </p:cTn>
+                                        <p:tgtEl>
+                                          <p:spTgt spid="6"/>
+                                        </p:tgtEl>
+                                        <p:attrNameLst>
+                                          <p:attrName>style.visibility</p:attrName>
+                                        </p:attrNameLst>
+                                      </p:cBhvr>
+                                      <p:to>
+                                        <p:strVal val="visible"/>
+                                      </p:to>
+                                    </p:set>
+                                    <p:animEffect transition="in" filter="barn(inVertical)">
+                                      <p:cBhvr>
+                                        <p:cTn id="13" dur="500"/>
+                                        <p:tgtEl>
+                                          <p:spTgt spid="6"/>
+                                        </p:tgtEl>
+                                      </p:cBhvr>
+                                    </p:animEffect>
+                                  </p:childTnLst>
+                                </p:cTn>
+                              </p:par>
+                            </p:childTnLst>
+                          </p:cTn>
+                        </p:par>
+                      </p:childTnLst>
+                    </p:cTn>
+                  </p:par>
+                </p:childTnLst>
+              </p:cTn>
+              <p:prevCondLst>
+                <p:cond evt="onPrev" delay="0">
+                  <p:tgtEl>
+                    <p:sldTgt/>
+                  </p:tgtEl>
+                </p:cond>
+              </p:prevCondLst>
+              <p:nextCondLst>
+                <p:cond evt="onNext" delay="0">
+                  <p:tgtEl>
+                    <p:sldTgt/>
+                  </p:tgtEl>
+                </p:cond>
+              </p:nextCondLst>
+            </p:seq>
+          </p:childTnLst>
+        </p:cTn>
       </p:par>
     </p:tnLst>
+    <p:bldLst>
+      <p:bldP spid="2" grpId="0"/>
+    </p:bldLst>
   </p:timing>
 </p:sld>
 </file>
@@ -23060,12 +25997,94 @@
   <p:clrMapOvr>
     <a:masterClrMapping/>
   </p:clrMapOvr>
+  <mc:AlternateContent xmlns:mc="http://schemas.openxmlformats.org/markup-compatibility/2006">
+    <mc:Choice xmlns:p14="http://schemas.microsoft.com/office/powerpoint/2010/main" Requires="p14">
+      <p:transition spd="slow" p14:dur="2000" advClick="0"/>
+    </mc:Choice>
+    <mc:Fallback>
+      <p:transition spd="slow" advClick="0"/>
+    </mc:Fallback>
+  </mc:AlternateContent>
   <p:timing>
     <p:tnLst>
       <p:par>
-        <p:cTn id="1" dur="indefinite" restart="never" nodeType="tmRoot"/>
+        <p:cTn id="1" dur="indefinite" restart="never" nodeType="tmRoot">
+          <p:childTnLst>
+            <p:seq concurrent="1" nextAc="seek">
+              <p:cTn id="2" dur="indefinite" nodeType="mainSeq">
+                <p:childTnLst>
+                  <p:par>
+                    <p:cTn id="3" fill="hold">
+                      <p:stCondLst>
+                        <p:cond delay="indefinite"/>
+                        <p:cond evt="onBegin" delay="0">
+                          <p:tn val="2"/>
+                        </p:cond>
+                      </p:stCondLst>
+                      <p:childTnLst>
+                        <p:par>
+                          <p:cTn id="4" fill="hold">
+                            <p:stCondLst>
+                              <p:cond delay="0"/>
+                            </p:stCondLst>
+                            <p:childTnLst>
+                              <p:par>
+                                <p:cTn id="5" presetID="1" presetClass="entr" presetSubtype="0" fill="hold" grpId="0" nodeType="withEffect">
+                                  <p:stCondLst>
+                                    <p:cond delay="0"/>
+                                  </p:stCondLst>
+                                  <p:childTnLst>
+                                    <p:set>
+                                      <p:cBhvr>
+                                        <p:cTn id="6" dur="1" fill="hold">
+                                          <p:stCondLst>
+                                            <p:cond delay="0"/>
+                                          </p:stCondLst>
+                                        </p:cTn>
+                                        <p:tgtEl>
+                                          <p:spTgt spid="2"/>
+                                        </p:tgtEl>
+                                        <p:attrNameLst>
+                                          <p:attrName>style.visibility</p:attrName>
+                                        </p:attrNameLst>
+                                      </p:cBhvr>
+                                      <p:to>
+                                        <p:strVal val="visible"/>
+                                      </p:to>
+                                    </p:set>
+                                  </p:childTnLst>
+                                </p:cTn>
+                              </p:par>
+                            </p:childTnLst>
+                          </p:cTn>
+                        </p:par>
+                      </p:childTnLst>
+                    </p:cTn>
+                  </p:par>
+                </p:childTnLst>
+              </p:cTn>
+              <p:prevCondLst>
+                <p:cond evt="onPrev" delay="0">
+                  <p:tgtEl>
+                    <p:sldTgt/>
+                  </p:tgtEl>
+                </p:cond>
+              </p:prevCondLst>
+              <p:nextCondLst>
+                <p:cond evt="onNext" delay="0">
+                  <p:tgtEl>
+                    <p:sldTgt/>
+                  </p:tgtEl>
+                </p:cond>
+              </p:nextCondLst>
+            </p:seq>
+          </p:childTnLst>
+        </p:cTn>
       </p:par>
     </p:tnLst>
+    <p:bldLst>
+      <p:bldP spid="2" grpId="0"/>
+    </p:bldLst>
   </p:timing>
 </p:sld>
 </file>
@@ -23150,6 +26169,7 @@
           </a:bodyPr>
           <a:lstStyle/>
           <a:p>
+            <a:pPr algn="just"/>
             <a:r>
               <a:rPr lang="pt-PT" dirty="0" smtClean="0"/>
               <a:t> </a:t>
@@ -23164,12 +26184,14 @@
             </a:r>
           </a:p>
           <a:p>
+            <a:pPr algn="just"/>
             <a:r>
               <a:rPr lang="pt-PT" dirty="0" smtClean="0"/>
               <a:t> Routers</a:t>
             </a:r>
           </a:p>
           <a:p>
+            <a:pPr algn="just"/>
             <a:r>
               <a:rPr lang="pt-PT" dirty="0" smtClean="0"/>
               <a:t> </a:t>
@@ -23181,18 +26203,21 @@
             <a:endParaRPr lang="pt-PT" dirty="0" smtClean="0"/>
           </a:p>
           <a:p>
+            <a:pPr algn="just"/>
             <a:r>
               <a:rPr lang="pt-PT" dirty="0" smtClean="0"/>
               <a:t> Bridges</a:t>
             </a:r>
           </a:p>
           <a:p>
+            <a:pPr algn="just"/>
             <a:r>
               <a:rPr lang="pt-PT" dirty="0" smtClean="0"/>
               <a:t> Servidores</a:t>
             </a:r>
           </a:p>
           <a:p>
+            <a:pPr algn="just"/>
             <a:r>
               <a:rPr lang="pt-PT" dirty="0" smtClean="0"/>
               <a:t> </a:t>
@@ -23250,6 +26275,7 @@
           <a:bodyPr/>
           <a:lstStyle/>
           <a:p>
+            <a:pPr algn="just"/>
             <a:r>
               <a:rPr lang="pt-PT" dirty="0" err="1" smtClean="0"/>
               <a:t>Ups</a:t>
@@ -23257,18 +26283,21 @@
             <a:endParaRPr lang="pt-PT" dirty="0" smtClean="0"/>
           </a:p>
           <a:p>
+            <a:pPr algn="just"/>
             <a:r>
               <a:rPr lang="pt-PT" dirty="0" smtClean="0"/>
               <a:t>Bastidores</a:t>
             </a:r>
           </a:p>
           <a:p>
+            <a:pPr algn="just"/>
             <a:r>
               <a:rPr lang="pt-PT" dirty="0" smtClean="0"/>
               <a:t>Calhas</a:t>
             </a:r>
           </a:p>
           <a:p>
+            <a:pPr algn="just"/>
             <a:r>
               <a:rPr lang="pt-PT" dirty="0" smtClean="0"/>
               <a:t>Réguas </a:t>
@@ -23283,6 +26312,7 @@
             </a:r>
           </a:p>
           <a:p>
+            <a:pPr algn="just"/>
             <a:r>
               <a:rPr lang="pt-PT" dirty="0" err="1" smtClean="0"/>
               <a:t>Patch</a:t>
@@ -23340,12 +26370,401 @@
   <p:clrMapOvr>
     <a:masterClrMapping/>
   </p:clrMapOvr>
+  <mc:AlternateContent xmlns:mc="http://schemas.openxmlformats.org/markup-compatibility/2006">
+    <mc:Choice xmlns:p14="http://schemas.microsoft.com/office/powerpoint/2010/main" Requires="p14">
+      <p:transition spd="slow" p14:dur="2000" advClick="0"/>
+    </mc:Choice>
+    <mc:Fallback>
+      <p:transition spd="slow" advClick="0"/>
+    </mc:Fallback>
+  </mc:AlternateContent>
   <p:timing>
     <p:tnLst>
       <p:par>
-        <p:cTn id="1" dur="indefinite" restart="never" nodeType="tmRoot"/>
+        <p:cTn id="1" dur="indefinite" restart="never" nodeType="tmRoot">
+          <p:childTnLst>
+            <p:seq concurrent="1" nextAc="seek">
+              <p:cTn id="2" dur="indefinite" nodeType="mainSeq">
+                <p:childTnLst>
+                  <p:par>
+                    <p:cTn id="3" fill="hold">
+                      <p:stCondLst>
+                        <p:cond delay="indefinite"/>
+                        <p:cond evt="onBegin" delay="0">
+                          <p:tn val="2"/>
+                        </p:cond>
+                      </p:stCondLst>
+                      <p:childTnLst>
+                        <p:par>
+                          <p:cTn id="4" fill="hold">
+                            <p:stCondLst>
+                              <p:cond delay="0"/>
+                            </p:stCondLst>
+                            <p:childTnLst>
+                              <p:par>
+                                <p:cTn id="5" presetID="42" presetClass="entr" presetSubtype="0" fill="hold" grpId="0" nodeType="afterEffect">
+                                  <p:stCondLst>
+                                    <p:cond delay="0"/>
+                                  </p:stCondLst>
+                                  <p:childTnLst>
+                                    <p:set>
+                                      <p:cBhvr>
+                                        <p:cTn id="6" dur="1" fill="hold">
+                                          <p:stCondLst>
+                                            <p:cond delay="0"/>
+                                          </p:stCondLst>
+                                        </p:cTn>
+                                        <p:tgtEl>
+                                          <p:spTgt spid="2"/>
+                                        </p:tgtEl>
+                                        <p:attrNameLst>
+                                          <p:attrName>style.visibility</p:attrName>
+                                        </p:attrNameLst>
+                                      </p:cBhvr>
+                                      <p:to>
+                                        <p:strVal val="visible"/>
+                                      </p:to>
+                                    </p:set>
+                                    <p:animEffect transition="in" filter="fade">
+                                      <p:cBhvr>
+                                        <p:cTn id="7" dur="1000"/>
+                                        <p:tgtEl>
+                                          <p:spTgt spid="2"/>
+                                        </p:tgtEl>
+                                      </p:cBhvr>
+                                    </p:animEffect>
+                                    <p:anim calcmode="lin" valueType="num">
+                                      <p:cBhvr>
+                                        <p:cTn id="8" dur="1000" fill="hold"/>
+                                        <p:tgtEl>
+                                          <p:spTgt spid="2"/>
+                                        </p:tgtEl>
+                                        <p:attrNameLst>
+                                          <p:attrName>ppt_x</p:attrName>
+                                        </p:attrNameLst>
+                                      </p:cBhvr>
+                                      <p:tavLst>
+                                        <p:tav tm="0">
+                                          <p:val>
+                                            <p:strVal val="#ppt_x"/>
+                                          </p:val>
+                                        </p:tav>
+                                        <p:tav tm="100000">
+                                          <p:val>
+                                            <p:strVal val="#ppt_x"/>
+                                          </p:val>
+                                        </p:tav>
+                                      </p:tavLst>
+                                    </p:anim>
+                                    <p:anim calcmode="lin" valueType="num">
+                                      <p:cBhvr>
+                                        <p:cTn id="9" dur="1000" fill="hold"/>
+                                        <p:tgtEl>
+                                          <p:spTgt spid="2"/>
+                                        </p:tgtEl>
+                                        <p:attrNameLst>
+                                          <p:attrName>ppt_y</p:attrName>
+                                        </p:attrNameLst>
+                                      </p:cBhvr>
+                                      <p:tavLst>
+                                        <p:tav tm="0">
+                                          <p:val>
+                                            <p:strVal val="#ppt_y+.1"/>
+                                          </p:val>
+                                        </p:tav>
+                                        <p:tav tm="100000">
+                                          <p:val>
+                                            <p:strVal val="#ppt_y"/>
+                                          </p:val>
+                                        </p:tav>
+                                      </p:tavLst>
+                                    </p:anim>
+                                  </p:childTnLst>
+                                </p:cTn>
+                              </p:par>
+                              <p:par>
+                                <p:cTn id="10" presetID="2" presetClass="entr" presetSubtype="4" fill="hold" grpId="0" nodeType="withEffect">
+                                  <p:stCondLst>
+                                    <p:cond delay="0"/>
+                                  </p:stCondLst>
+                                  <p:childTnLst>
+                                    <p:set>
+                                      <p:cBhvr>
+                                        <p:cTn id="11" dur="1" fill="hold">
+                                          <p:stCondLst>
+                                            <p:cond delay="0"/>
+                                          </p:stCondLst>
+                                        </p:cTn>
+                                        <p:tgtEl>
+                                          <p:spTgt spid="3">
+                                            <p:txEl>
+                                              <p:pRg st="0" end="0"/>
+                                            </p:txEl>
+                                          </p:spTgt>
+                                        </p:tgtEl>
+                                        <p:attrNameLst>
+                                          <p:attrName>style.visibility</p:attrName>
+                                        </p:attrNameLst>
+                                      </p:cBhvr>
+                                      <p:to>
+                                        <p:strVal val="visible"/>
+                                      </p:to>
+                                    </p:set>
+                                    <p:anim calcmode="lin" valueType="num">
+                                      <p:cBhvr additive="base">
+                                        <p:cTn id="12" dur="500" fill="hold"/>
+                                        <p:tgtEl>
+                                          <p:spTgt spid="3">
+                                            <p:txEl>
+                                              <p:pRg st="0" end="0"/>
+                                            </p:txEl>
+                                          </p:spTgt>
+                                        </p:tgtEl>
+                                        <p:attrNameLst>
+                                          <p:attrName>ppt_x</p:attrName>
+                                        </p:attrNameLst>
+                                      </p:cBhvr>
+                                      <p:tavLst>
+                                        <p:tav tm="0">
+                                          <p:val>
+                                            <p:strVal val="#ppt_x"/>
+                                          </p:val>
+                                        </p:tav>
+                                        <p:tav tm="100000">
+                                          <p:val>
+                                            <p:strVal val="#ppt_x"/>
+                                          </p:val>
+                                        </p:tav>
+                                      </p:tavLst>
+                                    </p:anim>
+                                    <p:anim calcmode="lin" valueType="num">
+                                      <p:cBhvr additive="base">
+                                        <p:cTn id="13" dur="500" fill="hold"/>
+                                        <p:tgtEl>
+                                          <p:spTgt spid="3">
+                                            <p:txEl>
+                                              <p:pRg st="0" end="0"/>
+                                            </p:txEl>
+                                          </p:spTgt>
+                                        </p:tgtEl>
+                                        <p:attrNameLst>
+                                          <p:attrName>ppt_y</p:attrName>
+                                        </p:attrNameLst>
+                                      </p:cBhvr>
+                                      <p:tavLst>
+                                        <p:tav tm="0">
+                                          <p:val>
+                                            <p:strVal val="1+#ppt_h/2"/>
+                                          </p:val>
+                                        </p:tav>
+                                        <p:tav tm="100000">
+                                          <p:val>
+                                            <p:strVal val="#ppt_y"/>
+                                          </p:val>
+                                        </p:tav>
+                                      </p:tavLst>
+                                    </p:anim>
+                                  </p:childTnLst>
+                                </p:cTn>
+                              </p:par>
+                              <p:par>
+                                <p:cTn id="14" presetID="2" presetClass="entr" presetSubtype="4" fill="hold" grpId="0" nodeType="withEffect">
+                                  <p:stCondLst>
+                                    <p:cond delay="0"/>
+                                  </p:stCondLst>
+                                  <p:childTnLst>
+                                    <p:set>
+                                      <p:cBhvr>
+                                        <p:cTn id="15" dur="1" fill="hold">
+                                          <p:stCondLst>
+                                            <p:cond delay="0"/>
+                                          </p:stCondLst>
+                                        </p:cTn>
+                                        <p:tgtEl>
+                                          <p:spTgt spid="5">
+                                            <p:txEl>
+                                              <p:pRg st="0" end="0"/>
+                                            </p:txEl>
+                                          </p:spTgt>
+                                        </p:tgtEl>
+                                        <p:attrNameLst>
+                                          <p:attrName>style.visibility</p:attrName>
+                                        </p:attrNameLst>
+                                      </p:cBhvr>
+                                      <p:to>
+                                        <p:strVal val="visible"/>
+                                      </p:to>
+                                    </p:set>
+                                    <p:anim calcmode="lin" valueType="num">
+                                      <p:cBhvr additive="base">
+                                        <p:cTn id="16" dur="500" fill="hold"/>
+                                        <p:tgtEl>
+                                          <p:spTgt spid="5">
+                                            <p:txEl>
+                                              <p:pRg st="0" end="0"/>
+                                            </p:txEl>
+                                          </p:spTgt>
+                                        </p:tgtEl>
+                                        <p:attrNameLst>
+                                          <p:attrName>ppt_x</p:attrName>
+                                        </p:attrNameLst>
+                                      </p:cBhvr>
+                                      <p:tavLst>
+                                        <p:tav tm="0">
+                                          <p:val>
+                                            <p:strVal val="#ppt_x"/>
+                                          </p:val>
+                                        </p:tav>
+                                        <p:tav tm="100000">
+                                          <p:val>
+                                            <p:strVal val="#ppt_x"/>
+                                          </p:val>
+                                        </p:tav>
+                                      </p:tavLst>
+                                    </p:anim>
+                                    <p:anim calcmode="lin" valueType="num">
+                                      <p:cBhvr additive="base">
+                                        <p:cTn id="17" dur="500" fill="hold"/>
+                                        <p:tgtEl>
+                                          <p:spTgt spid="5">
+                                            <p:txEl>
+                                              <p:pRg st="0" end="0"/>
+                                            </p:txEl>
+                                          </p:spTgt>
+                                        </p:tgtEl>
+                                        <p:attrNameLst>
+                                          <p:attrName>ppt_y</p:attrName>
+                                        </p:attrNameLst>
+                                      </p:cBhvr>
+                                      <p:tavLst>
+                                        <p:tav tm="0">
+                                          <p:val>
+                                            <p:strVal val="1+#ppt_h/2"/>
+                                          </p:val>
+                                        </p:tav>
+                                        <p:tav tm="100000">
+                                          <p:val>
+                                            <p:strVal val="#ppt_y"/>
+                                          </p:val>
+                                        </p:tav>
+                                      </p:tavLst>
+                                    </p:anim>
+                                  </p:childTnLst>
+                                </p:cTn>
+                              </p:par>
+                            </p:childTnLst>
+                          </p:cTn>
+                        </p:par>
+                        <p:par>
+                          <p:cTn id="18" fill="hold">
+                            <p:stCondLst>
+                              <p:cond delay="1000"/>
+                            </p:stCondLst>
+                            <p:childTnLst>
+                              <p:par>
+                                <p:cTn id="19" presetID="14" presetClass="entr" presetSubtype="10" fill="hold" grpId="0" nodeType="afterEffect">
+                                  <p:stCondLst>
+                                    <p:cond delay="0"/>
+                                  </p:stCondLst>
+                                  <p:childTnLst>
+                                    <p:set>
+                                      <p:cBhvr>
+                                        <p:cTn id="20" dur="1" fill="hold">
+                                          <p:stCondLst>
+                                            <p:cond delay="0"/>
+                                          </p:stCondLst>
+                                        </p:cTn>
+                                        <p:tgtEl>
+                                          <p:spTgt spid="4"/>
+                                        </p:tgtEl>
+                                        <p:attrNameLst>
+                                          <p:attrName>style.visibility</p:attrName>
+                                        </p:attrNameLst>
+                                      </p:cBhvr>
+                                      <p:to>
+                                        <p:strVal val="visible"/>
+                                      </p:to>
+                                    </p:set>
+                                    <p:animEffect transition="in" filter="randombar(horizontal)">
+                                      <p:cBhvr>
+                                        <p:cTn id="21" dur="500"/>
+                                        <p:tgtEl>
+                                          <p:spTgt spid="4"/>
+                                        </p:tgtEl>
+                                      </p:cBhvr>
+                                    </p:animEffect>
+                                  </p:childTnLst>
+                                </p:cTn>
+                              </p:par>
+                              <p:par>
+                                <p:cTn id="22" presetID="14" presetClass="entr" presetSubtype="10" fill="hold" grpId="0" nodeType="withEffect">
+                                  <p:stCondLst>
+                                    <p:cond delay="0"/>
+                                  </p:stCondLst>
+                                  <p:childTnLst>
+                                    <p:set>
+                                      <p:cBhvr>
+                                        <p:cTn id="23" dur="1" fill="hold">
+                                          <p:stCondLst>
+                                            <p:cond delay="0"/>
+                                          </p:stCondLst>
+                                        </p:cTn>
+                                        <p:tgtEl>
+                                          <p:spTgt spid="6"/>
+                                        </p:tgtEl>
+                                        <p:attrNameLst>
+                                          <p:attrName>style.visibility</p:attrName>
+                                        </p:attrNameLst>
+                                      </p:cBhvr>
+                                      <p:to>
+                                        <p:strVal val="visible"/>
+                                      </p:to>
+                                    </p:set>
+                                    <p:animEffect transition="in" filter="randombar(horizontal)">
+                                      <p:cBhvr>
+                                        <p:cTn id="24" dur="500"/>
+                                        <p:tgtEl>
+                                          <p:spTgt spid="6"/>
+                                        </p:tgtEl>
+                                      </p:cBhvr>
+                                    </p:animEffect>
+                                  </p:childTnLst>
+                                </p:cTn>
+                              </p:par>
+                            </p:childTnLst>
+                          </p:cTn>
+                        </p:par>
+                      </p:childTnLst>
+                    </p:cTn>
+                  </p:par>
+                </p:childTnLst>
+              </p:cTn>
+              <p:prevCondLst>
+                <p:cond evt="onPrev" delay="0">
+                  <p:tgtEl>
+                    <p:sldTgt/>
+                  </p:tgtEl>
+                </p:cond>
+              </p:prevCondLst>
+              <p:nextCondLst>
+                <p:cond evt="onNext" delay="0">
+                  <p:tgtEl>
+                    <p:sldTgt/>
+                  </p:tgtEl>
+                </p:cond>
+              </p:nextCondLst>
+            </p:seq>
+          </p:childTnLst>
+        </p:cTn>
       </p:par>
     </p:tnLst>
+    <p:bldLst>
+      <p:bldP spid="2" grpId="0"/>
+      <p:bldP spid="3" grpId="0" build="p"/>
+      <p:bldP spid="4" grpId="0"/>
+      <p:bldP spid="5" grpId="0" build="p"/>
+      <p:bldP spid="6" grpId="0"/>
+    </p:bldLst>
   </p:timing>
 </p:sld>
 </file>
